--- a/Tesi alessandro rivitti.pptx
+++ b/Tesi alessandro rivitti.pptx
@@ -5,10 +5,10 @@
     <p:sldMasterId id="2147484078" r:id="rId1"/>
   </p:sldMasterIdLst>
   <p:notesMasterIdLst>
-    <p:notesMasterId r:id="rId9"/>
+    <p:notesMasterId r:id="rId10"/>
   </p:notesMasterIdLst>
   <p:handoutMasterIdLst>
-    <p:handoutMasterId r:id="rId10"/>
+    <p:handoutMasterId r:id="rId11"/>
   </p:handoutMasterIdLst>
   <p:sldIdLst>
     <p:sldId id="256" r:id="rId2"/>
@@ -18,6 +18,7 @@
     <p:sldId id="262" r:id="rId6"/>
     <p:sldId id="263" r:id="rId7"/>
     <p:sldId id="260" r:id="rId8"/>
+    <p:sldId id="264" r:id="rId9"/>
   </p:sldIdLst>
   <p:sldSz cx="12192000" cy="6858000"/>
   <p:notesSz cx="6858000" cy="9144000"/>
@@ -300,7 +301,7 @@
           <a:p>
             <a:fld id="{FD80EEDD-0E5B-4AA2-9B75-5705062B1851}" type="datetimeFigureOut">
               <a:rPr lang="it-IT" smtClean="0"/>
-              <a:t>09/01/2020</a:t>
+              <a:t>10/01/2020</a:t>
             </a:fld>
             <a:endParaRPr lang="it-IT"/>
           </a:p>
@@ -477,7 +478,7 @@
           <a:p>
             <a:fld id="{6DF29F2A-D073-4435-9973-AD9D33B0497C}" type="datetimeFigureOut">
               <a:rPr lang="it-IT" smtClean="0"/>
-              <a:t>09/01/2020</a:t>
+              <a:t>10/01/2020</a:t>
             </a:fld>
             <a:endParaRPr lang="it-IT"/>
           </a:p>
@@ -1347,6 +1348,101 @@
 </p:notes>
 </file>
 
+<file path=ppt/notesSlides/notesSlide7.xml><?xml version="1.0" encoding="utf-8"?>
+<p:notes xmlns:a="http://schemas.openxmlformats.org/drawingml/2006/main" xmlns:r="http://schemas.openxmlformats.org/officeDocument/2006/relationships" xmlns:p="http://schemas.openxmlformats.org/presentationml/2006/main">
+  <p:cSld>
+    <p:spTree>
+      <p:nvGrpSpPr>
+        <p:cNvPr id="1" name=""/>
+        <p:cNvGrpSpPr/>
+        <p:nvPr/>
+      </p:nvGrpSpPr>
+      <p:grpSpPr>
+        <a:xfrm>
+          <a:off x="0" y="0"/>
+          <a:ext cx="0" cy="0"/>
+          <a:chOff x="0" y="0"/>
+          <a:chExt cx="0" cy="0"/>
+        </a:xfrm>
+      </p:grpSpPr>
+      <p:sp>
+        <p:nvSpPr>
+          <p:cNvPr id="2" name="Segnaposto immagine diapositiva 1"/>
+          <p:cNvSpPr>
+            <a:spLocks noGrp="1" noRot="1" noChangeAspect="1"/>
+          </p:cNvSpPr>
+          <p:nvPr>
+            <p:ph type="sldImg"/>
+          </p:nvPr>
+        </p:nvSpPr>
+        <p:spPr/>
+      </p:sp>
+      <p:sp>
+        <p:nvSpPr>
+          <p:cNvPr id="3" name="Segnaposto note 2"/>
+          <p:cNvSpPr>
+            <a:spLocks noGrp="1"/>
+          </p:cNvSpPr>
+          <p:nvPr>
+            <p:ph type="body" idx="1"/>
+          </p:nvPr>
+        </p:nvSpPr>
+        <p:spPr/>
+        <p:txBody>
+          <a:bodyPr/>
+          <a:lstStyle/>
+          <a:p>
+            <a:r>
+              <a:rPr lang="it-IT" dirty="0"/>
+              <a:t>Vediamo nel dettaglio solamente la </a:t>
+            </a:r>
+            <a:r>
+              <a:rPr lang="it-IT" dirty="0" err="1"/>
+              <a:t>cuckoo</a:t>
+            </a:r>
+            <a:r>
+              <a:rPr lang="it-IT" dirty="0"/>
+              <a:t> hash table. Il mio lavoro di tesi è stato quello di rendere dinamica la dimensione associata alle chiavi e ai registri salvati in essa.</a:t>
+            </a:r>
+          </a:p>
+        </p:txBody>
+      </p:sp>
+      <p:sp>
+        <p:nvSpPr>
+          <p:cNvPr id="4" name="Segnaposto numero diapositiva 3"/>
+          <p:cNvSpPr>
+            <a:spLocks noGrp="1"/>
+          </p:cNvSpPr>
+          <p:nvPr>
+            <p:ph type="sldNum" sz="quarter" idx="5"/>
+          </p:nvPr>
+        </p:nvSpPr>
+        <p:spPr/>
+        <p:txBody>
+          <a:bodyPr/>
+          <a:lstStyle/>
+          <a:p>
+            <a:fld id="{25368F7B-E632-4B3B-9D33-AA09D0E69165}" type="slidenum">
+              <a:rPr lang="it-IT" smtClean="0"/>
+              <a:t>8</a:t>
+            </a:fld>
+            <a:endParaRPr lang="it-IT"/>
+          </a:p>
+        </p:txBody>
+      </p:sp>
+    </p:spTree>
+    <p:extLst>
+      <p:ext uri="{BB962C8B-B14F-4D97-AF65-F5344CB8AC3E}">
+        <p14:creationId xmlns:p14="http://schemas.microsoft.com/office/powerpoint/2010/main" val="2511945445"/>
+      </p:ext>
+    </p:extLst>
+  </p:cSld>
+  <p:clrMapOvr>
+    <a:masterClrMapping/>
+  </p:clrMapOvr>
+</p:notes>
+</file>
+
 <file path=ppt/slideLayouts/slideLayout1.xml><?xml version="1.0" encoding="utf-8"?>
 <p:sldLayout xmlns:a="http://schemas.openxmlformats.org/drawingml/2006/main" xmlns:r="http://schemas.openxmlformats.org/officeDocument/2006/relationships" xmlns:p="http://schemas.openxmlformats.org/presentationml/2006/main" type="title" preserve="1">
   <p:cSld name="Diapositiva titolo">
@@ -1541,7 +1637,7 @@
           <a:p>
             <a:fld id="{747D4B60-E261-4DEF-BCD5-622304ADCE03}" type="datetimeFigureOut">
               <a:rPr lang="it-IT" smtClean="0"/>
-              <a:t>09/01/2020</a:t>
+              <a:t>10/01/2020</a:t>
             </a:fld>
             <a:endParaRPr lang="it-IT"/>
           </a:p>
@@ -1711,7 +1807,7 @@
           <a:p>
             <a:fld id="{747D4B60-E261-4DEF-BCD5-622304ADCE03}" type="datetimeFigureOut">
               <a:rPr lang="it-IT" smtClean="0"/>
-              <a:t>09/01/2020</a:t>
+              <a:t>10/01/2020</a:t>
             </a:fld>
             <a:endParaRPr lang="it-IT"/>
           </a:p>
@@ -1932,7 +2028,7 @@
           <a:p>
             <a:fld id="{747D4B60-E261-4DEF-BCD5-622304ADCE03}" type="datetimeFigureOut">
               <a:rPr lang="it-IT" smtClean="0"/>
-              <a:t>09/01/2020</a:t>
+              <a:t>10/01/2020</a:t>
             </a:fld>
             <a:endParaRPr lang="it-IT"/>
           </a:p>
@@ -2143,7 +2239,7 @@
           <a:p>
             <a:fld id="{747D4B60-E261-4DEF-BCD5-622304ADCE03}" type="datetimeFigureOut">
               <a:rPr lang="it-IT" smtClean="0"/>
-              <a:t>09/01/2020</a:t>
+              <a:t>10/01/2020</a:t>
             </a:fld>
             <a:endParaRPr lang="it-IT"/>
           </a:p>
@@ -2438,7 +2534,7 @@
           <a:p>
             <a:fld id="{747D4B60-E261-4DEF-BCD5-622304ADCE03}" type="datetimeFigureOut">
               <a:rPr lang="it-IT" smtClean="0"/>
-              <a:t>09/01/2020</a:t>
+              <a:t>10/01/2020</a:t>
             </a:fld>
             <a:endParaRPr lang="it-IT"/>
           </a:p>
@@ -2767,7 +2863,7 @@
           <a:p>
             <a:fld id="{747D4B60-E261-4DEF-BCD5-622304ADCE03}" type="datetimeFigureOut">
               <a:rPr lang="it-IT" smtClean="0"/>
-              <a:t>09/01/2020</a:t>
+              <a:t>10/01/2020</a:t>
             </a:fld>
             <a:endParaRPr lang="it-IT"/>
           </a:p>
@@ -3264,7 +3360,7 @@
           <a:p>
             <a:fld id="{747D4B60-E261-4DEF-BCD5-622304ADCE03}" type="datetimeFigureOut">
               <a:rPr lang="it-IT" smtClean="0"/>
-              <a:t>09/01/2020</a:t>
+              <a:t>10/01/2020</a:t>
             </a:fld>
             <a:endParaRPr lang="it-IT"/>
           </a:p>
@@ -3428,7 +3524,7 @@
           <a:p>
             <a:fld id="{747D4B60-E261-4DEF-BCD5-622304ADCE03}" type="datetimeFigureOut">
               <a:rPr lang="it-IT" smtClean="0"/>
-              <a:t>09/01/2020</a:t>
+              <a:t>10/01/2020</a:t>
             </a:fld>
             <a:endParaRPr lang="it-IT"/>
           </a:p>
@@ -3564,7 +3660,7 @@
           <a:p>
             <a:fld id="{747D4B60-E261-4DEF-BCD5-622304ADCE03}" type="datetimeFigureOut">
               <a:rPr lang="it-IT" smtClean="0"/>
-              <a:t>09/01/2020</a:t>
+              <a:t>10/01/2020</a:t>
             </a:fld>
             <a:endParaRPr lang="it-IT"/>
           </a:p>
@@ -3892,7 +3988,7 @@
           <a:p>
             <a:fld id="{747D4B60-E261-4DEF-BCD5-622304ADCE03}" type="datetimeFigureOut">
               <a:rPr lang="it-IT" smtClean="0"/>
-              <a:t>09/01/2020</a:t>
+              <a:t>10/01/2020</a:t>
             </a:fld>
             <a:endParaRPr lang="it-IT"/>
           </a:p>
@@ -4212,7 +4308,7 @@
           <a:p>
             <a:fld id="{747D4B60-E261-4DEF-BCD5-622304ADCE03}" type="datetimeFigureOut">
               <a:rPr lang="it-IT" smtClean="0"/>
-              <a:t>09/01/2020</a:t>
+              <a:t>10/01/2020</a:t>
             </a:fld>
             <a:endParaRPr lang="it-IT"/>
           </a:p>
@@ -4464,7 +4560,7 @@
           <a:p>
             <a:fld id="{747D4B60-E261-4DEF-BCD5-622304ADCE03}" type="datetimeFigureOut">
               <a:rPr lang="it-IT" smtClean="0"/>
-              <a:t>09/01/2020</a:t>
+              <a:t>10/01/2020</a:t>
             </a:fld>
             <a:endParaRPr lang="it-IT"/>
           </a:p>
@@ -12198,12 +12294,48 @@
           <a:chExt cx="0" cy="0"/>
         </a:xfrm>
       </p:grpSpPr>
-      <p:sp>
-        <p:nvSpPr>
-          <p:cNvPr id="4" name="Titolo 1">
+      <p:pic>
+        <p:nvPicPr>
+          <p:cNvPr id="14" name="Immagine 13" descr="Immagine che contiene circuito&#10;&#10;Descrizione generata automaticamente">
             <a:extLst>
               <a:ext uri="{FF2B5EF4-FFF2-40B4-BE49-F238E27FC236}">
-                <a16:creationId xmlns:a16="http://schemas.microsoft.com/office/drawing/2014/main" id="{204C5740-A2B3-4868-A975-DC09B99F2A13}"/>
+                <a16:creationId xmlns:a16="http://schemas.microsoft.com/office/drawing/2014/main" id="{85A22B50-0368-4201-A6E6-98567CC61FF5}"/>
+              </a:ext>
+            </a:extLst>
+          </p:cNvPr>
+          <p:cNvPicPr>
+            <a:picLocks noChangeAspect="1"/>
+          </p:cNvPicPr>
+          <p:nvPr/>
+        </p:nvPicPr>
+        <p:blipFill>
+          <a:blip r:embed="rId3">
+            <a:extLst>
+              <a:ext uri="{28A0092B-C50C-407E-A947-70E740481C1C}">
+                <a14:useLocalDpi xmlns:a14="http://schemas.microsoft.com/office/drawing/2010/main" val="0"/>
+              </a:ext>
+            </a:extLst>
+          </a:blip>
+          <a:stretch>
+            <a:fillRect/>
+          </a:stretch>
+        </p:blipFill>
+        <p:spPr>
+          <a:xfrm>
+            <a:off x="393540" y="1078654"/>
+            <a:ext cx="11019098" cy="3887578"/>
+          </a:xfrm>
+          <a:prstGeom prst="rect">
+            <a:avLst/>
+          </a:prstGeom>
+        </p:spPr>
+      </p:pic>
+      <p:sp>
+        <p:nvSpPr>
+          <p:cNvPr id="15" name="Titolo 1">
+            <a:extLst>
+              <a:ext uri="{FF2B5EF4-FFF2-40B4-BE49-F238E27FC236}">
+                <a16:creationId xmlns:a16="http://schemas.microsoft.com/office/drawing/2014/main" id="{3B1BA4F2-E75F-40D3-AA3C-C30DBB67BE49}"/>
               </a:ext>
             </a:extLst>
           </p:cNvPr>
@@ -12214,7 +12346,7 @@
         </p:nvSpPr>
         <p:spPr>
           <a:xfrm>
-            <a:off x="3869435" y="2831756"/>
+            <a:off x="616710" y="301916"/>
             <a:ext cx="4453129" cy="871200"/>
           </a:xfrm>
           <a:prstGeom prst="rect">
@@ -12252,39 +12384,7 @@
                   <a:schemeClr val="tx1"/>
                 </a:solidFill>
               </a:rPr>
-              <a:t>#CUCKOO DRAW.IO </a:t>
-            </a:r>
-            <a:r>
-              <a:rPr lang="it-IT" sz="2800" dirty="0" err="1">
-                <a:solidFill>
-                  <a:schemeClr val="tx1"/>
-                </a:solidFill>
-              </a:rPr>
-              <a:t>as</a:t>
-            </a:r>
-            <a:r>
-              <a:rPr lang="it-IT" sz="2800" dirty="0">
-                <a:solidFill>
-                  <a:schemeClr val="tx1"/>
-                </a:solidFill>
-              </a:rPr>
-              <a:t> </a:t>
-            </a:r>
-            <a:r>
-              <a:rPr lang="it-IT" sz="2800" dirty="0" err="1">
-                <a:solidFill>
-                  <a:schemeClr val="tx1"/>
-                </a:solidFill>
-              </a:rPr>
-              <a:t>pontix</a:t>
-            </a:r>
-            <a:r>
-              <a:rPr lang="it-IT" sz="2800" dirty="0">
-                <a:solidFill>
-                  <a:schemeClr val="tx1"/>
-                </a:solidFill>
-              </a:rPr>
-              <a:t> 1</a:t>
+              <a:t>Hash Table dinamica</a:t>
             </a:r>
           </a:p>
         </p:txBody>
@@ -12299,6 +12399,3668 @@
   <p:clrMapOvr>
     <a:masterClrMapping/>
   </p:clrMapOvr>
+</p:sld>
+</file>
+
+<file path=ppt/slides/slide8.xml><?xml version="1.0" encoding="utf-8"?>
+<p:sld xmlns:a="http://schemas.openxmlformats.org/drawingml/2006/main" xmlns:r="http://schemas.openxmlformats.org/officeDocument/2006/relationships" xmlns:p="http://schemas.openxmlformats.org/presentationml/2006/main">
+  <p:cSld>
+    <p:spTree>
+      <p:nvGrpSpPr>
+        <p:cNvPr id="1" name=""/>
+        <p:cNvGrpSpPr/>
+        <p:nvPr/>
+      </p:nvGrpSpPr>
+      <p:grpSpPr>
+        <a:xfrm>
+          <a:off x="0" y="0"/>
+          <a:ext cx="0" cy="0"/>
+          <a:chOff x="0" y="0"/>
+          <a:chExt cx="0" cy="0"/>
+        </a:xfrm>
+      </p:grpSpPr>
+      <p:sp>
+        <p:nvSpPr>
+          <p:cNvPr id="15" name="Titolo 1">
+            <a:extLst>
+              <a:ext uri="{FF2B5EF4-FFF2-40B4-BE49-F238E27FC236}">
+                <a16:creationId xmlns:a16="http://schemas.microsoft.com/office/drawing/2014/main" id="{3B1BA4F2-E75F-40D3-AA3C-C30DBB67BE49}"/>
+              </a:ext>
+            </a:extLst>
+          </p:cNvPr>
+          <p:cNvSpPr txBox="1">
+            <a:spLocks/>
+          </p:cNvSpPr>
+          <p:nvPr/>
+        </p:nvSpPr>
+        <p:spPr>
+          <a:xfrm>
+            <a:off x="3714867" y="2378150"/>
+            <a:ext cx="2381133" cy="2713111"/>
+          </a:xfrm>
+          <a:prstGeom prst="rect">
+            <a:avLst/>
+          </a:prstGeom>
+          <a:solidFill>
+            <a:schemeClr val="accent1">
+              <a:lumMod val="40000"/>
+              <a:lumOff val="60000"/>
+            </a:schemeClr>
+          </a:solidFill>
+        </p:spPr>
+        <p:txBody>
+          <a:bodyPr vert="horz" lIns="91440" tIns="27432" rIns="91440" bIns="45720" rtlCol="0" anchor="b">
+            <a:noAutofit/>
+          </a:bodyPr>
+          <a:lstStyle>
+            <a:lvl1pPr algn="l" defTabSz="914400" rtl="0" eaLnBrk="1" latinLnBrk="0" hangingPunct="1">
+              <a:lnSpc>
+                <a:spcPct val="90000"/>
+              </a:lnSpc>
+              <a:spcBef>
+                <a:spcPct val="0"/>
+              </a:spcBef>
+              <a:buNone/>
+              <a:defRPr sz="4400" b="1" kern="1200" spc="-50" baseline="0">
+                <a:solidFill>
+                  <a:schemeClr val="accent1"/>
+                </a:solidFill>
+                <a:latin typeface="+mj-lt"/>
+                <a:ea typeface="+mj-ea"/>
+                <a:cs typeface="+mj-cs"/>
+              </a:defRPr>
+            </a:lvl1pPr>
+          </a:lstStyle>
+          <a:p>
+            <a:pPr algn="ctr"/>
+            <a:endParaRPr lang="it-IT" sz="2800" dirty="0">
+              <a:solidFill>
+                <a:schemeClr val="tx1"/>
+              </a:solidFill>
+            </a:endParaRPr>
+          </a:p>
+        </p:txBody>
+      </p:sp>
+      <p:sp>
+        <p:nvSpPr>
+          <p:cNvPr id="4" name="Titolo 1">
+            <a:extLst>
+              <a:ext uri="{FF2B5EF4-FFF2-40B4-BE49-F238E27FC236}">
+                <a16:creationId xmlns:a16="http://schemas.microsoft.com/office/drawing/2014/main" id="{B4FD8431-A13E-4353-84C7-1D363657FD8D}"/>
+              </a:ext>
+            </a:extLst>
+          </p:cNvPr>
+          <p:cNvSpPr txBox="1">
+            <a:spLocks/>
+          </p:cNvSpPr>
+          <p:nvPr/>
+        </p:nvSpPr>
+        <p:spPr>
+          <a:xfrm>
+            <a:off x="340847" y="40794"/>
+            <a:ext cx="4453129" cy="830405"/>
+          </a:xfrm>
+          <a:prstGeom prst="rect">
+            <a:avLst/>
+          </a:prstGeom>
+        </p:spPr>
+        <p:txBody>
+          <a:bodyPr vert="horz" lIns="91440" tIns="27432" rIns="91440" bIns="45720" rtlCol="0" anchor="b">
+            <a:noAutofit/>
+          </a:bodyPr>
+          <a:lstStyle>
+            <a:lvl1pPr algn="l" defTabSz="914400" rtl="0" eaLnBrk="1" latinLnBrk="0" hangingPunct="1">
+              <a:lnSpc>
+                <a:spcPct val="90000"/>
+              </a:lnSpc>
+              <a:spcBef>
+                <a:spcPct val="0"/>
+              </a:spcBef>
+              <a:buNone/>
+              <a:defRPr sz="4400" b="1" kern="1200" spc="-50" baseline="0">
+                <a:solidFill>
+                  <a:schemeClr val="accent1"/>
+                </a:solidFill>
+                <a:latin typeface="+mj-lt"/>
+                <a:ea typeface="+mj-ea"/>
+                <a:cs typeface="+mj-cs"/>
+              </a:defRPr>
+            </a:lvl1pPr>
+          </a:lstStyle>
+          <a:p>
+            <a:pPr algn="ctr"/>
+            <a:r>
+              <a:rPr lang="it-IT" sz="2800" dirty="0">
+                <a:solidFill>
+                  <a:schemeClr val="tx1"/>
+                </a:solidFill>
+              </a:rPr>
+              <a:t>Hash Table dinamica</a:t>
+            </a:r>
+          </a:p>
+        </p:txBody>
+      </p:sp>
+      <p:sp>
+        <p:nvSpPr>
+          <p:cNvPr id="5" name="Titolo 1">
+            <a:extLst>
+              <a:ext uri="{FF2B5EF4-FFF2-40B4-BE49-F238E27FC236}">
+                <a16:creationId xmlns:a16="http://schemas.microsoft.com/office/drawing/2014/main" id="{4E83A571-4A55-4758-ACD7-F7F93FB03F1A}"/>
+              </a:ext>
+            </a:extLst>
+          </p:cNvPr>
+          <p:cNvSpPr txBox="1">
+            <a:spLocks/>
+          </p:cNvSpPr>
+          <p:nvPr/>
+        </p:nvSpPr>
+        <p:spPr>
+          <a:xfrm>
+            <a:off x="6096000" y="2378150"/>
+            <a:ext cx="2381133" cy="2713111"/>
+          </a:xfrm>
+          <a:prstGeom prst="rect">
+            <a:avLst/>
+          </a:prstGeom>
+          <a:solidFill>
+            <a:schemeClr val="accent2">
+              <a:lumMod val="40000"/>
+              <a:lumOff val="60000"/>
+            </a:schemeClr>
+          </a:solidFill>
+        </p:spPr>
+        <p:txBody>
+          <a:bodyPr vert="horz" lIns="91440" tIns="27432" rIns="91440" bIns="45720" rtlCol="0" anchor="b">
+            <a:noAutofit/>
+          </a:bodyPr>
+          <a:lstStyle>
+            <a:lvl1pPr algn="l" defTabSz="914400" rtl="0" eaLnBrk="1" latinLnBrk="0" hangingPunct="1">
+              <a:lnSpc>
+                <a:spcPct val="90000"/>
+              </a:lnSpc>
+              <a:spcBef>
+                <a:spcPct val="0"/>
+              </a:spcBef>
+              <a:buNone/>
+              <a:defRPr sz="4400" b="1" kern="1200" spc="-50" baseline="0">
+                <a:solidFill>
+                  <a:schemeClr val="accent1"/>
+                </a:solidFill>
+                <a:latin typeface="+mj-lt"/>
+                <a:ea typeface="+mj-ea"/>
+                <a:cs typeface="+mj-cs"/>
+              </a:defRPr>
+            </a:lvl1pPr>
+          </a:lstStyle>
+          <a:p>
+            <a:pPr algn="ctr"/>
+            <a:endParaRPr lang="it-IT" sz="2800" dirty="0">
+              <a:solidFill>
+                <a:schemeClr val="tx1"/>
+              </a:solidFill>
+            </a:endParaRPr>
+          </a:p>
+        </p:txBody>
+      </p:sp>
+      <p:sp>
+        <p:nvSpPr>
+          <p:cNvPr id="6" name="Freccia in su 5">
+            <a:extLst>
+              <a:ext uri="{FF2B5EF4-FFF2-40B4-BE49-F238E27FC236}">
+                <a16:creationId xmlns:a16="http://schemas.microsoft.com/office/drawing/2014/main" id="{CCFC7A84-F955-4B87-A780-3BF9EBC6A815}"/>
+              </a:ext>
+            </a:extLst>
+          </p:cNvPr>
+          <p:cNvSpPr/>
+          <p:nvPr/>
+        </p:nvSpPr>
+        <p:spPr>
+          <a:xfrm rot="5400000">
+            <a:off x="1504611" y="1712959"/>
+            <a:ext cx="165494" cy="2195938"/>
+          </a:xfrm>
+          <a:prstGeom prst="upArrow">
+            <a:avLst/>
+          </a:prstGeom>
+        </p:spPr>
+        <p:style>
+          <a:lnRef idx="2">
+            <a:schemeClr val="accent1">
+              <a:shade val="50000"/>
+            </a:schemeClr>
+          </a:lnRef>
+          <a:fillRef idx="1">
+            <a:schemeClr val="accent1"/>
+          </a:fillRef>
+          <a:effectRef idx="0">
+            <a:schemeClr val="accent1"/>
+          </a:effectRef>
+          <a:fontRef idx="minor">
+            <a:schemeClr val="lt1"/>
+          </a:fontRef>
+        </p:style>
+        <p:txBody>
+          <a:bodyPr rtlCol="0" anchor="ctr"/>
+          <a:lstStyle/>
+          <a:p>
+            <a:pPr algn="ctr"/>
+            <a:endParaRPr lang="it-IT"/>
+          </a:p>
+        </p:txBody>
+      </p:sp>
+      <p:sp>
+        <p:nvSpPr>
+          <p:cNvPr id="9" name="Freccia in su 8">
+            <a:extLst>
+              <a:ext uri="{FF2B5EF4-FFF2-40B4-BE49-F238E27FC236}">
+                <a16:creationId xmlns:a16="http://schemas.microsoft.com/office/drawing/2014/main" id="{1E7CC968-5BF8-405E-BE64-A52A363DAC62}"/>
+              </a:ext>
+            </a:extLst>
+          </p:cNvPr>
+          <p:cNvSpPr/>
+          <p:nvPr/>
+        </p:nvSpPr>
+        <p:spPr>
+          <a:xfrm rot="5400000">
+            <a:off x="1504611" y="2083344"/>
+            <a:ext cx="165494" cy="2195938"/>
+          </a:xfrm>
+          <a:prstGeom prst="upArrow">
+            <a:avLst/>
+          </a:prstGeom>
+          <a:solidFill>
+            <a:schemeClr val="accent6"/>
+          </a:solidFill>
+          <a:ln>
+            <a:solidFill>
+              <a:schemeClr val="accent6"/>
+            </a:solidFill>
+          </a:ln>
+        </p:spPr>
+        <p:style>
+          <a:lnRef idx="2">
+            <a:schemeClr val="accent1">
+              <a:shade val="50000"/>
+            </a:schemeClr>
+          </a:lnRef>
+          <a:fillRef idx="1">
+            <a:schemeClr val="accent1"/>
+          </a:fillRef>
+          <a:effectRef idx="0">
+            <a:schemeClr val="accent1"/>
+          </a:effectRef>
+          <a:fontRef idx="minor">
+            <a:schemeClr val="lt1"/>
+          </a:fontRef>
+        </p:style>
+        <p:txBody>
+          <a:bodyPr rtlCol="0" anchor="ctr"/>
+          <a:lstStyle/>
+          <a:p>
+            <a:pPr algn="ctr"/>
+            <a:endParaRPr lang="it-IT"/>
+          </a:p>
+        </p:txBody>
+      </p:sp>
+      <p:sp>
+        <p:nvSpPr>
+          <p:cNvPr id="10" name="Titolo 1">
+            <a:extLst>
+              <a:ext uri="{FF2B5EF4-FFF2-40B4-BE49-F238E27FC236}">
+                <a16:creationId xmlns:a16="http://schemas.microsoft.com/office/drawing/2014/main" id="{E8B4EEF9-C746-42E0-8E95-B3C687DD794E}"/>
+              </a:ext>
+            </a:extLst>
+          </p:cNvPr>
+          <p:cNvSpPr txBox="1">
+            <a:spLocks/>
+          </p:cNvSpPr>
+          <p:nvPr/>
+        </p:nvSpPr>
+        <p:spPr>
+          <a:xfrm>
+            <a:off x="217955" y="2282318"/>
+            <a:ext cx="2911639" cy="397538"/>
+          </a:xfrm>
+          <a:prstGeom prst="rect">
+            <a:avLst/>
+          </a:prstGeom>
+        </p:spPr>
+        <p:txBody>
+          <a:bodyPr vert="horz" lIns="91440" tIns="27432" rIns="91440" bIns="45720" rtlCol="0" anchor="b">
+            <a:noAutofit/>
+          </a:bodyPr>
+          <a:lstStyle>
+            <a:lvl1pPr algn="l" defTabSz="914400" rtl="0" eaLnBrk="1" latinLnBrk="0" hangingPunct="1">
+              <a:lnSpc>
+                <a:spcPct val="90000"/>
+              </a:lnSpc>
+              <a:spcBef>
+                <a:spcPct val="0"/>
+              </a:spcBef>
+              <a:buNone/>
+              <a:defRPr sz="4400" b="1" kern="1200" spc="-50" baseline="0">
+                <a:solidFill>
+                  <a:schemeClr val="accent1"/>
+                </a:solidFill>
+                <a:latin typeface="+mj-lt"/>
+                <a:ea typeface="+mj-ea"/>
+                <a:cs typeface="+mj-cs"/>
+              </a:defRPr>
+            </a:lvl1pPr>
+          </a:lstStyle>
+          <a:p>
+            <a:pPr algn="ctr"/>
+            <a:r>
+              <a:rPr lang="it-IT" sz="2000" dirty="0" err="1">
+                <a:solidFill>
+                  <a:schemeClr val="tx1"/>
+                </a:solidFill>
+              </a:rPr>
+              <a:t>data_in</a:t>
+            </a:r>
+            <a:endParaRPr lang="it-IT" sz="2000" dirty="0">
+              <a:solidFill>
+                <a:schemeClr val="tx1"/>
+              </a:solidFill>
+            </a:endParaRPr>
+          </a:p>
+        </p:txBody>
+      </p:sp>
+      <p:sp>
+        <p:nvSpPr>
+          <p:cNvPr id="11" name="Titolo 1">
+            <a:extLst>
+              <a:ext uri="{FF2B5EF4-FFF2-40B4-BE49-F238E27FC236}">
+                <a16:creationId xmlns:a16="http://schemas.microsoft.com/office/drawing/2014/main" id="{3B0832E9-AF5E-48D8-9620-7EFE0025A5CC}"/>
+              </a:ext>
+            </a:extLst>
+          </p:cNvPr>
+          <p:cNvSpPr txBox="1">
+            <a:spLocks/>
+          </p:cNvSpPr>
+          <p:nvPr/>
+        </p:nvSpPr>
+        <p:spPr>
+          <a:xfrm>
+            <a:off x="217956" y="3226204"/>
+            <a:ext cx="2911639" cy="397538"/>
+          </a:xfrm>
+          <a:prstGeom prst="rect">
+            <a:avLst/>
+          </a:prstGeom>
+        </p:spPr>
+        <p:txBody>
+          <a:bodyPr vert="horz" lIns="91440" tIns="27432" rIns="91440" bIns="45720" rtlCol="0" anchor="b">
+            <a:noAutofit/>
+          </a:bodyPr>
+          <a:lstStyle>
+            <a:lvl1pPr algn="l" defTabSz="914400" rtl="0" eaLnBrk="1" latinLnBrk="0" hangingPunct="1">
+              <a:lnSpc>
+                <a:spcPct val="90000"/>
+              </a:lnSpc>
+              <a:spcBef>
+                <a:spcPct val="0"/>
+              </a:spcBef>
+              <a:buNone/>
+              <a:defRPr sz="4400" b="1" kern="1200" spc="-50" baseline="0">
+                <a:solidFill>
+                  <a:schemeClr val="accent1"/>
+                </a:solidFill>
+                <a:latin typeface="+mj-lt"/>
+                <a:ea typeface="+mj-ea"/>
+                <a:cs typeface="+mj-cs"/>
+              </a:defRPr>
+            </a:lvl1pPr>
+          </a:lstStyle>
+          <a:p>
+            <a:pPr algn="ctr"/>
+            <a:r>
+              <a:rPr lang="it-IT" sz="2000" dirty="0" err="1">
+                <a:solidFill>
+                  <a:schemeClr val="tx1"/>
+                </a:solidFill>
+              </a:rPr>
+              <a:t>address</a:t>
+            </a:r>
+            <a:endParaRPr lang="it-IT" sz="2000" dirty="0">
+              <a:solidFill>
+                <a:schemeClr val="tx1"/>
+              </a:solidFill>
+            </a:endParaRPr>
+          </a:p>
+        </p:txBody>
+      </p:sp>
+      <p:sp>
+        <p:nvSpPr>
+          <p:cNvPr id="12" name="Titolo 1">
+            <a:extLst>
+              <a:ext uri="{FF2B5EF4-FFF2-40B4-BE49-F238E27FC236}">
+                <a16:creationId xmlns:a16="http://schemas.microsoft.com/office/drawing/2014/main" id="{CAFC9D71-C8D5-4ECB-B547-CB7A52DFF192}"/>
+              </a:ext>
+            </a:extLst>
+          </p:cNvPr>
+          <p:cNvSpPr txBox="1">
+            <a:spLocks/>
+          </p:cNvSpPr>
+          <p:nvPr/>
+        </p:nvSpPr>
+        <p:spPr>
+          <a:xfrm>
+            <a:off x="5512889" y="1709526"/>
+            <a:ext cx="1166222" cy="431983"/>
+          </a:xfrm>
+          <a:prstGeom prst="rect">
+            <a:avLst/>
+          </a:prstGeom>
+        </p:spPr>
+        <p:txBody>
+          <a:bodyPr vert="horz" lIns="91440" tIns="27432" rIns="91440" bIns="45720" rtlCol="0" anchor="b">
+            <a:noAutofit/>
+          </a:bodyPr>
+          <a:lstStyle>
+            <a:lvl1pPr algn="l" defTabSz="914400" rtl="0" eaLnBrk="1" latinLnBrk="0" hangingPunct="1">
+              <a:lnSpc>
+                <a:spcPct val="90000"/>
+              </a:lnSpc>
+              <a:spcBef>
+                <a:spcPct val="0"/>
+              </a:spcBef>
+              <a:buNone/>
+              <a:defRPr sz="4400" b="1" kern="1200" spc="-50" baseline="0">
+                <a:solidFill>
+                  <a:schemeClr val="accent1"/>
+                </a:solidFill>
+                <a:latin typeface="+mj-lt"/>
+                <a:ea typeface="+mj-ea"/>
+                <a:cs typeface="+mj-cs"/>
+              </a:defRPr>
+            </a:lvl1pPr>
+          </a:lstStyle>
+          <a:p>
+            <a:pPr algn="ctr"/>
+            <a:r>
+              <a:rPr lang="it-IT" sz="2400" dirty="0">
+                <a:solidFill>
+                  <a:schemeClr val="tx1"/>
+                </a:solidFill>
+              </a:rPr>
+              <a:t>RAM</a:t>
+            </a:r>
+          </a:p>
+        </p:txBody>
+      </p:sp>
+      <p:sp>
+        <p:nvSpPr>
+          <p:cNvPr id="13" name="Titolo 1">
+            <a:extLst>
+              <a:ext uri="{FF2B5EF4-FFF2-40B4-BE49-F238E27FC236}">
+                <a16:creationId xmlns:a16="http://schemas.microsoft.com/office/drawing/2014/main" id="{9EC7755C-591D-4834-838C-38D4C9D89831}"/>
+              </a:ext>
+            </a:extLst>
+          </p:cNvPr>
+          <p:cNvSpPr txBox="1">
+            <a:spLocks/>
+          </p:cNvSpPr>
+          <p:nvPr/>
+        </p:nvSpPr>
+        <p:spPr>
+          <a:xfrm>
+            <a:off x="3844724" y="2595672"/>
+            <a:ext cx="4502552" cy="265018"/>
+          </a:xfrm>
+          <a:prstGeom prst="rect">
+            <a:avLst/>
+          </a:prstGeom>
+          <a:solidFill>
+            <a:schemeClr val="accent4">
+              <a:lumMod val="60000"/>
+              <a:lumOff val="40000"/>
+            </a:schemeClr>
+          </a:solidFill>
+        </p:spPr>
+        <p:txBody>
+          <a:bodyPr vert="horz" lIns="91440" tIns="27432" rIns="91440" bIns="45720" rtlCol="0" anchor="b">
+            <a:noAutofit/>
+          </a:bodyPr>
+          <a:lstStyle>
+            <a:lvl1pPr algn="l" defTabSz="914400" rtl="0" eaLnBrk="1" latinLnBrk="0" hangingPunct="1">
+              <a:lnSpc>
+                <a:spcPct val="90000"/>
+              </a:lnSpc>
+              <a:spcBef>
+                <a:spcPct val="0"/>
+              </a:spcBef>
+              <a:buNone/>
+              <a:defRPr sz="4400" b="1" kern="1200" spc="-50" baseline="0">
+                <a:solidFill>
+                  <a:schemeClr val="accent1"/>
+                </a:solidFill>
+                <a:latin typeface="+mj-lt"/>
+                <a:ea typeface="+mj-ea"/>
+                <a:cs typeface="+mj-cs"/>
+              </a:defRPr>
+            </a:lvl1pPr>
+          </a:lstStyle>
+          <a:p>
+            <a:pPr algn="ctr"/>
+            <a:r>
+              <a:rPr lang="it-IT" sz="1400" dirty="0">
+                <a:solidFill>
+                  <a:schemeClr val="tx1"/>
+                </a:solidFill>
+              </a:rPr>
+              <a:t>0x22</a:t>
+            </a:r>
+          </a:p>
+        </p:txBody>
+      </p:sp>
+      <p:sp>
+        <p:nvSpPr>
+          <p:cNvPr id="16" name="Titolo 1">
+            <a:extLst>
+              <a:ext uri="{FF2B5EF4-FFF2-40B4-BE49-F238E27FC236}">
+                <a16:creationId xmlns:a16="http://schemas.microsoft.com/office/drawing/2014/main" id="{54C4CBB6-1621-4466-B23F-BF24CBBE40C6}"/>
+              </a:ext>
+            </a:extLst>
+          </p:cNvPr>
+          <p:cNvSpPr txBox="1">
+            <a:spLocks/>
+          </p:cNvSpPr>
+          <p:nvPr/>
+        </p:nvSpPr>
+        <p:spPr>
+          <a:xfrm>
+            <a:off x="3844724" y="2925855"/>
+            <a:ext cx="4502552" cy="265018"/>
+          </a:xfrm>
+          <a:prstGeom prst="rect">
+            <a:avLst/>
+          </a:prstGeom>
+          <a:solidFill>
+            <a:schemeClr val="accent4">
+              <a:lumMod val="60000"/>
+              <a:lumOff val="40000"/>
+            </a:schemeClr>
+          </a:solidFill>
+        </p:spPr>
+        <p:txBody>
+          <a:bodyPr vert="horz" lIns="91440" tIns="27432" rIns="91440" bIns="45720" rtlCol="0" anchor="b">
+            <a:noAutofit/>
+          </a:bodyPr>
+          <a:lstStyle>
+            <a:lvl1pPr algn="l" defTabSz="914400" rtl="0" eaLnBrk="1" latinLnBrk="0" hangingPunct="1">
+              <a:lnSpc>
+                <a:spcPct val="90000"/>
+              </a:lnSpc>
+              <a:spcBef>
+                <a:spcPct val="0"/>
+              </a:spcBef>
+              <a:buNone/>
+              <a:defRPr sz="4400" b="1" kern="1200" spc="-50" baseline="0">
+                <a:solidFill>
+                  <a:schemeClr val="accent1"/>
+                </a:solidFill>
+                <a:latin typeface="+mj-lt"/>
+                <a:ea typeface="+mj-ea"/>
+                <a:cs typeface="+mj-cs"/>
+              </a:defRPr>
+            </a:lvl1pPr>
+          </a:lstStyle>
+          <a:p>
+            <a:pPr algn="ctr"/>
+            <a:r>
+              <a:rPr lang="it-IT" sz="1400" dirty="0">
+                <a:solidFill>
+                  <a:schemeClr val="tx1"/>
+                </a:solidFill>
+              </a:rPr>
+              <a:t>0x23</a:t>
+            </a:r>
+          </a:p>
+        </p:txBody>
+      </p:sp>
+      <p:sp>
+        <p:nvSpPr>
+          <p:cNvPr id="17" name="Freccia in su 16">
+            <a:extLst>
+              <a:ext uri="{FF2B5EF4-FFF2-40B4-BE49-F238E27FC236}">
+                <a16:creationId xmlns:a16="http://schemas.microsoft.com/office/drawing/2014/main" id="{38E30EDC-040C-49B9-882A-A8278AEF7EF4}"/>
+              </a:ext>
+            </a:extLst>
+          </p:cNvPr>
+          <p:cNvSpPr/>
+          <p:nvPr/>
+        </p:nvSpPr>
+        <p:spPr>
+          <a:xfrm rot="5400000">
+            <a:off x="9632003" y="2596370"/>
+            <a:ext cx="165494" cy="2195938"/>
+          </a:xfrm>
+          <a:prstGeom prst="upArrow">
+            <a:avLst/>
+          </a:prstGeom>
+        </p:spPr>
+        <p:style>
+          <a:lnRef idx="2">
+            <a:schemeClr val="accent1">
+              <a:shade val="50000"/>
+            </a:schemeClr>
+          </a:lnRef>
+          <a:fillRef idx="1">
+            <a:schemeClr val="accent1"/>
+          </a:fillRef>
+          <a:effectRef idx="0">
+            <a:schemeClr val="accent1"/>
+          </a:effectRef>
+          <a:fontRef idx="minor">
+            <a:schemeClr val="lt1"/>
+          </a:fontRef>
+        </p:style>
+        <p:txBody>
+          <a:bodyPr rtlCol="0" anchor="ctr"/>
+          <a:lstStyle/>
+          <a:p>
+            <a:pPr algn="ctr"/>
+            <a:endParaRPr lang="it-IT"/>
+          </a:p>
+        </p:txBody>
+      </p:sp>
+      <p:sp>
+        <p:nvSpPr>
+          <p:cNvPr id="18" name="Titolo 1">
+            <a:extLst>
+              <a:ext uri="{FF2B5EF4-FFF2-40B4-BE49-F238E27FC236}">
+                <a16:creationId xmlns:a16="http://schemas.microsoft.com/office/drawing/2014/main" id="{9C18BCC5-834D-4EEF-8268-C52E1AE25AD6}"/>
+              </a:ext>
+            </a:extLst>
+          </p:cNvPr>
+          <p:cNvSpPr txBox="1">
+            <a:spLocks/>
+          </p:cNvSpPr>
+          <p:nvPr/>
+        </p:nvSpPr>
+        <p:spPr>
+          <a:xfrm>
+            <a:off x="8345347" y="3147805"/>
+            <a:ext cx="2911639" cy="397538"/>
+          </a:xfrm>
+          <a:prstGeom prst="rect">
+            <a:avLst/>
+          </a:prstGeom>
+        </p:spPr>
+        <p:txBody>
+          <a:bodyPr vert="horz" lIns="91440" tIns="27432" rIns="91440" bIns="45720" rtlCol="0" anchor="b">
+            <a:noAutofit/>
+          </a:bodyPr>
+          <a:lstStyle>
+            <a:lvl1pPr algn="l" defTabSz="914400" rtl="0" eaLnBrk="1" latinLnBrk="0" hangingPunct="1">
+              <a:lnSpc>
+                <a:spcPct val="90000"/>
+              </a:lnSpc>
+              <a:spcBef>
+                <a:spcPct val="0"/>
+              </a:spcBef>
+              <a:buNone/>
+              <a:defRPr sz="4400" b="1" kern="1200" spc="-50" baseline="0">
+                <a:solidFill>
+                  <a:schemeClr val="accent1"/>
+                </a:solidFill>
+                <a:latin typeface="+mj-lt"/>
+                <a:ea typeface="+mj-ea"/>
+                <a:cs typeface="+mj-cs"/>
+              </a:defRPr>
+            </a:lvl1pPr>
+          </a:lstStyle>
+          <a:p>
+            <a:pPr algn="ctr"/>
+            <a:r>
+              <a:rPr lang="it-IT" sz="2000" dirty="0" err="1">
+                <a:solidFill>
+                  <a:schemeClr val="tx1"/>
+                </a:solidFill>
+              </a:rPr>
+              <a:t>data_out</a:t>
+            </a:r>
+            <a:endParaRPr lang="it-IT" sz="2000" dirty="0">
+              <a:solidFill>
+                <a:schemeClr val="tx1"/>
+              </a:solidFill>
+            </a:endParaRPr>
+          </a:p>
+        </p:txBody>
+      </p:sp>
+      <p:sp>
+        <p:nvSpPr>
+          <p:cNvPr id="19" name="Titolo 1">
+            <a:extLst>
+              <a:ext uri="{FF2B5EF4-FFF2-40B4-BE49-F238E27FC236}">
+                <a16:creationId xmlns:a16="http://schemas.microsoft.com/office/drawing/2014/main" id="{054FC124-DE6C-4DBB-A88E-904C7B1283F8}"/>
+              </a:ext>
+            </a:extLst>
+          </p:cNvPr>
+          <p:cNvSpPr txBox="1">
+            <a:spLocks/>
+          </p:cNvSpPr>
+          <p:nvPr/>
+        </p:nvSpPr>
+        <p:spPr>
+          <a:xfrm>
+            <a:off x="8610599" y="3797442"/>
+            <a:ext cx="2381133" cy="283598"/>
+          </a:xfrm>
+          <a:prstGeom prst="rect">
+            <a:avLst/>
+          </a:prstGeom>
+          <a:solidFill>
+            <a:schemeClr val="accent4">
+              <a:lumMod val="60000"/>
+              <a:lumOff val="40000"/>
+            </a:schemeClr>
+          </a:solidFill>
+        </p:spPr>
+        <p:txBody>
+          <a:bodyPr vert="horz" lIns="91440" tIns="27432" rIns="91440" bIns="45720" rtlCol="0" anchor="b">
+            <a:noAutofit/>
+          </a:bodyPr>
+          <a:lstStyle>
+            <a:lvl1pPr algn="l" defTabSz="914400" rtl="0" eaLnBrk="1" latinLnBrk="0" hangingPunct="1">
+              <a:lnSpc>
+                <a:spcPct val="90000"/>
+              </a:lnSpc>
+              <a:spcBef>
+                <a:spcPct val="0"/>
+              </a:spcBef>
+              <a:buNone/>
+              <a:defRPr sz="4400" b="1" kern="1200" spc="-50" baseline="0">
+                <a:solidFill>
+                  <a:schemeClr val="accent1"/>
+                </a:solidFill>
+                <a:latin typeface="+mj-lt"/>
+                <a:ea typeface="+mj-ea"/>
+                <a:cs typeface="+mj-cs"/>
+              </a:defRPr>
+            </a:lvl1pPr>
+          </a:lstStyle>
+          <a:p>
+            <a:pPr algn="ctr"/>
+            <a:r>
+              <a:rPr lang="it-IT" sz="1400" dirty="0">
+                <a:solidFill>
+                  <a:schemeClr val="tx1"/>
+                </a:solidFill>
+              </a:rPr>
+              <a:t>0x22</a:t>
+            </a:r>
+          </a:p>
+        </p:txBody>
+      </p:sp>
+      <p:sp>
+        <p:nvSpPr>
+          <p:cNvPr id="23" name="Titolo 1">
+            <a:extLst>
+              <a:ext uri="{FF2B5EF4-FFF2-40B4-BE49-F238E27FC236}">
+                <a16:creationId xmlns:a16="http://schemas.microsoft.com/office/drawing/2014/main" id="{D361D362-A217-4F23-A646-79667174DF59}"/>
+              </a:ext>
+            </a:extLst>
+          </p:cNvPr>
+          <p:cNvSpPr txBox="1">
+            <a:spLocks/>
+          </p:cNvSpPr>
+          <p:nvPr/>
+        </p:nvSpPr>
+        <p:spPr>
+          <a:xfrm>
+            <a:off x="3844724" y="3280313"/>
+            <a:ext cx="4502552" cy="265018"/>
+          </a:xfrm>
+          <a:prstGeom prst="rect">
+            <a:avLst/>
+          </a:prstGeom>
+          <a:solidFill>
+            <a:schemeClr val="accent4">
+              <a:lumMod val="60000"/>
+              <a:lumOff val="40000"/>
+            </a:schemeClr>
+          </a:solidFill>
+        </p:spPr>
+        <p:txBody>
+          <a:bodyPr vert="horz" lIns="91440" tIns="27432" rIns="91440" bIns="45720" rtlCol="0" anchor="b">
+            <a:noAutofit/>
+          </a:bodyPr>
+          <a:lstStyle>
+            <a:lvl1pPr algn="l" defTabSz="914400" rtl="0" eaLnBrk="1" latinLnBrk="0" hangingPunct="1">
+              <a:lnSpc>
+                <a:spcPct val="90000"/>
+              </a:lnSpc>
+              <a:spcBef>
+                <a:spcPct val="0"/>
+              </a:spcBef>
+              <a:buNone/>
+              <a:defRPr sz="4400" b="1" kern="1200" spc="-50" baseline="0">
+                <a:solidFill>
+                  <a:schemeClr val="accent1"/>
+                </a:solidFill>
+                <a:latin typeface="+mj-lt"/>
+                <a:ea typeface="+mj-ea"/>
+                <a:cs typeface="+mj-cs"/>
+              </a:defRPr>
+            </a:lvl1pPr>
+          </a:lstStyle>
+          <a:p>
+            <a:pPr algn="ctr"/>
+            <a:r>
+              <a:rPr lang="it-IT" sz="1400" dirty="0">
+                <a:solidFill>
+                  <a:schemeClr val="tx1"/>
+                </a:solidFill>
+              </a:rPr>
+              <a:t>0x24</a:t>
+            </a:r>
+          </a:p>
+        </p:txBody>
+      </p:sp>
+      <p:sp>
+        <p:nvSpPr>
+          <p:cNvPr id="24" name="Titolo 1">
+            <a:extLst>
+              <a:ext uri="{FF2B5EF4-FFF2-40B4-BE49-F238E27FC236}">
+                <a16:creationId xmlns:a16="http://schemas.microsoft.com/office/drawing/2014/main" id="{08FB5D9B-8925-4DEA-BE34-6E9B81D65E0C}"/>
+              </a:ext>
+            </a:extLst>
+          </p:cNvPr>
+          <p:cNvSpPr txBox="1">
+            <a:spLocks/>
+          </p:cNvSpPr>
+          <p:nvPr/>
+        </p:nvSpPr>
+        <p:spPr>
+          <a:xfrm>
+            <a:off x="3844724" y="3610496"/>
+            <a:ext cx="4502552" cy="265018"/>
+          </a:xfrm>
+          <a:prstGeom prst="rect">
+            <a:avLst/>
+          </a:prstGeom>
+          <a:solidFill>
+            <a:schemeClr val="accent4">
+              <a:lumMod val="60000"/>
+              <a:lumOff val="40000"/>
+            </a:schemeClr>
+          </a:solidFill>
+        </p:spPr>
+        <p:txBody>
+          <a:bodyPr vert="horz" lIns="91440" tIns="27432" rIns="91440" bIns="45720" rtlCol="0" anchor="b">
+            <a:noAutofit/>
+          </a:bodyPr>
+          <a:lstStyle>
+            <a:lvl1pPr algn="l" defTabSz="914400" rtl="0" eaLnBrk="1" latinLnBrk="0" hangingPunct="1">
+              <a:lnSpc>
+                <a:spcPct val="90000"/>
+              </a:lnSpc>
+              <a:spcBef>
+                <a:spcPct val="0"/>
+              </a:spcBef>
+              <a:buNone/>
+              <a:defRPr sz="4400" b="1" kern="1200" spc="-50" baseline="0">
+                <a:solidFill>
+                  <a:schemeClr val="accent1"/>
+                </a:solidFill>
+                <a:latin typeface="+mj-lt"/>
+                <a:ea typeface="+mj-ea"/>
+                <a:cs typeface="+mj-cs"/>
+              </a:defRPr>
+            </a:lvl1pPr>
+          </a:lstStyle>
+          <a:p>
+            <a:pPr algn="ctr"/>
+            <a:r>
+              <a:rPr lang="it-IT" sz="1400" dirty="0">
+                <a:solidFill>
+                  <a:schemeClr val="tx1"/>
+                </a:solidFill>
+              </a:rPr>
+              <a:t>0x25</a:t>
+            </a:r>
+          </a:p>
+        </p:txBody>
+      </p:sp>
+      <p:sp>
+        <p:nvSpPr>
+          <p:cNvPr id="25" name="Titolo 1">
+            <a:extLst>
+              <a:ext uri="{FF2B5EF4-FFF2-40B4-BE49-F238E27FC236}">
+                <a16:creationId xmlns:a16="http://schemas.microsoft.com/office/drawing/2014/main" id="{97125A7A-C0EB-42C9-A8D2-5454884B17A2}"/>
+              </a:ext>
+            </a:extLst>
+          </p:cNvPr>
+          <p:cNvSpPr txBox="1">
+            <a:spLocks/>
+          </p:cNvSpPr>
+          <p:nvPr/>
+        </p:nvSpPr>
+        <p:spPr>
+          <a:xfrm>
+            <a:off x="3844724" y="3940679"/>
+            <a:ext cx="4502552" cy="265018"/>
+          </a:xfrm>
+          <a:prstGeom prst="rect">
+            <a:avLst/>
+          </a:prstGeom>
+          <a:solidFill>
+            <a:schemeClr val="accent4">
+              <a:lumMod val="60000"/>
+              <a:lumOff val="40000"/>
+            </a:schemeClr>
+          </a:solidFill>
+        </p:spPr>
+        <p:txBody>
+          <a:bodyPr vert="horz" lIns="91440" tIns="27432" rIns="91440" bIns="45720" rtlCol="0" anchor="b">
+            <a:noAutofit/>
+          </a:bodyPr>
+          <a:lstStyle>
+            <a:lvl1pPr algn="l" defTabSz="914400" rtl="0" eaLnBrk="1" latinLnBrk="0" hangingPunct="1">
+              <a:lnSpc>
+                <a:spcPct val="90000"/>
+              </a:lnSpc>
+              <a:spcBef>
+                <a:spcPct val="0"/>
+              </a:spcBef>
+              <a:buNone/>
+              <a:defRPr sz="4400" b="1" kern="1200" spc="-50" baseline="0">
+                <a:solidFill>
+                  <a:schemeClr val="accent1"/>
+                </a:solidFill>
+                <a:latin typeface="+mj-lt"/>
+                <a:ea typeface="+mj-ea"/>
+                <a:cs typeface="+mj-cs"/>
+              </a:defRPr>
+            </a:lvl1pPr>
+          </a:lstStyle>
+          <a:p>
+            <a:pPr algn="ctr"/>
+            <a:r>
+              <a:rPr lang="it-IT" sz="1400" dirty="0">
+                <a:solidFill>
+                  <a:schemeClr val="tx1"/>
+                </a:solidFill>
+              </a:rPr>
+              <a:t>0x26</a:t>
+            </a:r>
+          </a:p>
+        </p:txBody>
+      </p:sp>
+      <p:sp>
+        <p:nvSpPr>
+          <p:cNvPr id="26" name="Titolo 1">
+            <a:extLst>
+              <a:ext uri="{FF2B5EF4-FFF2-40B4-BE49-F238E27FC236}">
+                <a16:creationId xmlns:a16="http://schemas.microsoft.com/office/drawing/2014/main" id="{60463A58-3C91-443F-B476-0D953576B562}"/>
+              </a:ext>
+            </a:extLst>
+          </p:cNvPr>
+          <p:cNvSpPr txBox="1">
+            <a:spLocks/>
+          </p:cNvSpPr>
+          <p:nvPr/>
+        </p:nvSpPr>
+        <p:spPr>
+          <a:xfrm>
+            <a:off x="3844724" y="4270862"/>
+            <a:ext cx="4502552" cy="265018"/>
+          </a:xfrm>
+          <a:prstGeom prst="rect">
+            <a:avLst/>
+          </a:prstGeom>
+          <a:solidFill>
+            <a:schemeClr val="accent4">
+              <a:lumMod val="60000"/>
+              <a:lumOff val="40000"/>
+            </a:schemeClr>
+          </a:solidFill>
+        </p:spPr>
+        <p:txBody>
+          <a:bodyPr vert="horz" lIns="91440" tIns="27432" rIns="91440" bIns="45720" rtlCol="0" anchor="b">
+            <a:noAutofit/>
+          </a:bodyPr>
+          <a:lstStyle>
+            <a:lvl1pPr algn="l" defTabSz="914400" rtl="0" eaLnBrk="1" latinLnBrk="0" hangingPunct="1">
+              <a:lnSpc>
+                <a:spcPct val="90000"/>
+              </a:lnSpc>
+              <a:spcBef>
+                <a:spcPct val="0"/>
+              </a:spcBef>
+              <a:buNone/>
+              <a:defRPr sz="4400" b="1" kern="1200" spc="-50" baseline="0">
+                <a:solidFill>
+                  <a:schemeClr val="accent1"/>
+                </a:solidFill>
+                <a:latin typeface="+mj-lt"/>
+                <a:ea typeface="+mj-ea"/>
+                <a:cs typeface="+mj-cs"/>
+              </a:defRPr>
+            </a:lvl1pPr>
+          </a:lstStyle>
+          <a:p>
+            <a:pPr algn="ctr"/>
+            <a:r>
+              <a:rPr lang="it-IT" sz="1400" dirty="0">
+                <a:solidFill>
+                  <a:schemeClr val="tx1"/>
+                </a:solidFill>
+              </a:rPr>
+              <a:t>0x27</a:t>
+            </a:r>
+          </a:p>
+        </p:txBody>
+      </p:sp>
+      <p:sp>
+        <p:nvSpPr>
+          <p:cNvPr id="27" name="Titolo 1">
+            <a:extLst>
+              <a:ext uri="{FF2B5EF4-FFF2-40B4-BE49-F238E27FC236}">
+                <a16:creationId xmlns:a16="http://schemas.microsoft.com/office/drawing/2014/main" id="{66ACC7B5-1759-45F9-88B6-57CDCD35F488}"/>
+              </a:ext>
+            </a:extLst>
+          </p:cNvPr>
+          <p:cNvSpPr txBox="1">
+            <a:spLocks/>
+          </p:cNvSpPr>
+          <p:nvPr/>
+        </p:nvSpPr>
+        <p:spPr>
+          <a:xfrm>
+            <a:off x="3844724" y="4601045"/>
+            <a:ext cx="4502552" cy="265018"/>
+          </a:xfrm>
+          <a:prstGeom prst="rect">
+            <a:avLst/>
+          </a:prstGeom>
+          <a:solidFill>
+            <a:schemeClr val="accent4">
+              <a:lumMod val="60000"/>
+              <a:lumOff val="40000"/>
+            </a:schemeClr>
+          </a:solidFill>
+        </p:spPr>
+        <p:txBody>
+          <a:bodyPr vert="horz" lIns="91440" tIns="27432" rIns="91440" bIns="45720" rtlCol="0" anchor="b">
+            <a:noAutofit/>
+          </a:bodyPr>
+          <a:lstStyle>
+            <a:lvl1pPr algn="l" defTabSz="914400" rtl="0" eaLnBrk="1" latinLnBrk="0" hangingPunct="1">
+              <a:lnSpc>
+                <a:spcPct val="90000"/>
+              </a:lnSpc>
+              <a:spcBef>
+                <a:spcPct val="0"/>
+              </a:spcBef>
+              <a:buNone/>
+              <a:defRPr sz="4400" b="1" kern="1200" spc="-50" baseline="0">
+                <a:solidFill>
+                  <a:schemeClr val="accent1"/>
+                </a:solidFill>
+                <a:latin typeface="+mj-lt"/>
+                <a:ea typeface="+mj-ea"/>
+                <a:cs typeface="+mj-cs"/>
+              </a:defRPr>
+            </a:lvl1pPr>
+          </a:lstStyle>
+          <a:p>
+            <a:pPr algn="ctr"/>
+            <a:r>
+              <a:rPr lang="it-IT" sz="1400" dirty="0">
+                <a:solidFill>
+                  <a:schemeClr val="tx1"/>
+                </a:solidFill>
+              </a:rPr>
+              <a:t>0x28</a:t>
+            </a:r>
+          </a:p>
+        </p:txBody>
+      </p:sp>
+      <p:sp>
+        <p:nvSpPr>
+          <p:cNvPr id="31" name="Titolo 1">
+            <a:extLst>
+              <a:ext uri="{FF2B5EF4-FFF2-40B4-BE49-F238E27FC236}">
+                <a16:creationId xmlns:a16="http://schemas.microsoft.com/office/drawing/2014/main" id="{7E5DD141-93F1-4803-902D-80C3799C2830}"/>
+              </a:ext>
+            </a:extLst>
+          </p:cNvPr>
+          <p:cNvSpPr txBox="1">
+            <a:spLocks/>
+          </p:cNvSpPr>
+          <p:nvPr/>
+        </p:nvSpPr>
+        <p:spPr>
+          <a:xfrm>
+            <a:off x="3316147" y="2603101"/>
+            <a:ext cx="303943" cy="290574"/>
+          </a:xfrm>
+          <a:prstGeom prst="rect">
+            <a:avLst/>
+          </a:prstGeom>
+          <a:noFill/>
+        </p:spPr>
+        <p:txBody>
+          <a:bodyPr vert="horz" lIns="91440" tIns="27432" rIns="91440" bIns="45720" rtlCol="0" anchor="b">
+            <a:noAutofit/>
+          </a:bodyPr>
+          <a:lstStyle>
+            <a:lvl1pPr algn="l" defTabSz="914400" rtl="0" eaLnBrk="1" latinLnBrk="0" hangingPunct="1">
+              <a:lnSpc>
+                <a:spcPct val="90000"/>
+              </a:lnSpc>
+              <a:spcBef>
+                <a:spcPct val="0"/>
+              </a:spcBef>
+              <a:buNone/>
+              <a:defRPr sz="4400" b="1" kern="1200" spc="-50" baseline="0">
+                <a:solidFill>
+                  <a:schemeClr val="accent1"/>
+                </a:solidFill>
+                <a:latin typeface="+mj-lt"/>
+                <a:ea typeface="+mj-ea"/>
+                <a:cs typeface="+mj-cs"/>
+              </a:defRPr>
+            </a:lvl1pPr>
+          </a:lstStyle>
+          <a:p>
+            <a:pPr algn="ctr"/>
+            <a:r>
+              <a:rPr lang="it-IT" sz="1400" dirty="0">
+                <a:solidFill>
+                  <a:schemeClr val="tx1"/>
+                </a:solidFill>
+              </a:rPr>
+              <a:t>0</a:t>
+            </a:r>
+          </a:p>
+        </p:txBody>
+      </p:sp>
+      <p:sp>
+        <p:nvSpPr>
+          <p:cNvPr id="32" name="Titolo 1">
+            <a:extLst>
+              <a:ext uri="{FF2B5EF4-FFF2-40B4-BE49-F238E27FC236}">
+                <a16:creationId xmlns:a16="http://schemas.microsoft.com/office/drawing/2014/main" id="{2DEC7E2B-6E8D-43CB-8FEC-10F62064730D}"/>
+              </a:ext>
+            </a:extLst>
+          </p:cNvPr>
+          <p:cNvSpPr txBox="1">
+            <a:spLocks/>
+          </p:cNvSpPr>
+          <p:nvPr/>
+        </p:nvSpPr>
+        <p:spPr>
+          <a:xfrm>
+            <a:off x="3316146" y="2935630"/>
+            <a:ext cx="303943" cy="290574"/>
+          </a:xfrm>
+          <a:prstGeom prst="rect">
+            <a:avLst/>
+          </a:prstGeom>
+          <a:noFill/>
+        </p:spPr>
+        <p:txBody>
+          <a:bodyPr vert="horz" lIns="91440" tIns="27432" rIns="91440" bIns="45720" rtlCol="0" anchor="b">
+            <a:noAutofit/>
+          </a:bodyPr>
+          <a:lstStyle>
+            <a:lvl1pPr algn="l" defTabSz="914400" rtl="0" eaLnBrk="1" latinLnBrk="0" hangingPunct="1">
+              <a:lnSpc>
+                <a:spcPct val="90000"/>
+              </a:lnSpc>
+              <a:spcBef>
+                <a:spcPct val="0"/>
+              </a:spcBef>
+              <a:buNone/>
+              <a:defRPr sz="4400" b="1" kern="1200" spc="-50" baseline="0">
+                <a:solidFill>
+                  <a:schemeClr val="accent1"/>
+                </a:solidFill>
+                <a:latin typeface="+mj-lt"/>
+                <a:ea typeface="+mj-ea"/>
+                <a:cs typeface="+mj-cs"/>
+              </a:defRPr>
+            </a:lvl1pPr>
+          </a:lstStyle>
+          <a:p>
+            <a:pPr algn="ctr"/>
+            <a:r>
+              <a:rPr lang="it-IT" sz="1400" dirty="0">
+                <a:solidFill>
+                  <a:schemeClr val="tx1"/>
+                </a:solidFill>
+              </a:rPr>
+              <a:t>1</a:t>
+            </a:r>
+          </a:p>
+        </p:txBody>
+      </p:sp>
+      <p:sp>
+        <p:nvSpPr>
+          <p:cNvPr id="33" name="Titolo 1">
+            <a:extLst>
+              <a:ext uri="{FF2B5EF4-FFF2-40B4-BE49-F238E27FC236}">
+                <a16:creationId xmlns:a16="http://schemas.microsoft.com/office/drawing/2014/main" id="{0FDA4862-D027-4768-A50A-33A02D03C957}"/>
+              </a:ext>
+            </a:extLst>
+          </p:cNvPr>
+          <p:cNvSpPr txBox="1">
+            <a:spLocks/>
+          </p:cNvSpPr>
+          <p:nvPr/>
+        </p:nvSpPr>
+        <p:spPr>
+          <a:xfrm>
+            <a:off x="3316146" y="3247865"/>
+            <a:ext cx="303943" cy="290574"/>
+          </a:xfrm>
+          <a:prstGeom prst="rect">
+            <a:avLst/>
+          </a:prstGeom>
+          <a:noFill/>
+        </p:spPr>
+        <p:txBody>
+          <a:bodyPr vert="horz" lIns="91440" tIns="27432" rIns="91440" bIns="45720" rtlCol="0" anchor="b">
+            <a:noAutofit/>
+          </a:bodyPr>
+          <a:lstStyle>
+            <a:lvl1pPr algn="l" defTabSz="914400" rtl="0" eaLnBrk="1" latinLnBrk="0" hangingPunct="1">
+              <a:lnSpc>
+                <a:spcPct val="90000"/>
+              </a:lnSpc>
+              <a:spcBef>
+                <a:spcPct val="0"/>
+              </a:spcBef>
+              <a:buNone/>
+              <a:defRPr sz="4400" b="1" kern="1200" spc="-50" baseline="0">
+                <a:solidFill>
+                  <a:schemeClr val="accent1"/>
+                </a:solidFill>
+                <a:latin typeface="+mj-lt"/>
+                <a:ea typeface="+mj-ea"/>
+                <a:cs typeface="+mj-cs"/>
+              </a:defRPr>
+            </a:lvl1pPr>
+          </a:lstStyle>
+          <a:p>
+            <a:pPr algn="ctr"/>
+            <a:r>
+              <a:rPr lang="it-IT" sz="1400" dirty="0">
+                <a:solidFill>
+                  <a:schemeClr val="tx1"/>
+                </a:solidFill>
+              </a:rPr>
+              <a:t>2</a:t>
+            </a:r>
+          </a:p>
+        </p:txBody>
+      </p:sp>
+      <p:sp>
+        <p:nvSpPr>
+          <p:cNvPr id="34" name="Titolo 1">
+            <a:extLst>
+              <a:ext uri="{FF2B5EF4-FFF2-40B4-BE49-F238E27FC236}">
+                <a16:creationId xmlns:a16="http://schemas.microsoft.com/office/drawing/2014/main" id="{C8CF3749-B27D-4F0E-A6C2-9C29360B7CD2}"/>
+              </a:ext>
+            </a:extLst>
+          </p:cNvPr>
+          <p:cNvSpPr txBox="1">
+            <a:spLocks/>
+          </p:cNvSpPr>
+          <p:nvPr/>
+        </p:nvSpPr>
+        <p:spPr>
+          <a:xfrm>
+            <a:off x="3316145" y="3584940"/>
+            <a:ext cx="303943" cy="290574"/>
+          </a:xfrm>
+          <a:prstGeom prst="rect">
+            <a:avLst/>
+          </a:prstGeom>
+          <a:noFill/>
+        </p:spPr>
+        <p:txBody>
+          <a:bodyPr vert="horz" lIns="91440" tIns="27432" rIns="91440" bIns="45720" rtlCol="0" anchor="b">
+            <a:noAutofit/>
+          </a:bodyPr>
+          <a:lstStyle>
+            <a:lvl1pPr algn="l" defTabSz="914400" rtl="0" eaLnBrk="1" latinLnBrk="0" hangingPunct="1">
+              <a:lnSpc>
+                <a:spcPct val="90000"/>
+              </a:lnSpc>
+              <a:spcBef>
+                <a:spcPct val="0"/>
+              </a:spcBef>
+              <a:buNone/>
+              <a:defRPr sz="4400" b="1" kern="1200" spc="-50" baseline="0">
+                <a:solidFill>
+                  <a:schemeClr val="accent1"/>
+                </a:solidFill>
+                <a:latin typeface="+mj-lt"/>
+                <a:ea typeface="+mj-ea"/>
+                <a:cs typeface="+mj-cs"/>
+              </a:defRPr>
+            </a:lvl1pPr>
+          </a:lstStyle>
+          <a:p>
+            <a:pPr algn="ctr"/>
+            <a:r>
+              <a:rPr lang="it-IT" sz="1400" dirty="0">
+                <a:solidFill>
+                  <a:schemeClr val="tx1"/>
+                </a:solidFill>
+              </a:rPr>
+              <a:t>3</a:t>
+            </a:r>
+          </a:p>
+        </p:txBody>
+      </p:sp>
+      <p:sp>
+        <p:nvSpPr>
+          <p:cNvPr id="35" name="Titolo 1">
+            <a:extLst>
+              <a:ext uri="{FF2B5EF4-FFF2-40B4-BE49-F238E27FC236}">
+                <a16:creationId xmlns:a16="http://schemas.microsoft.com/office/drawing/2014/main" id="{FDE6552D-40E8-4FB8-9C24-AE36D22C7B3A}"/>
+              </a:ext>
+            </a:extLst>
+          </p:cNvPr>
+          <p:cNvSpPr txBox="1">
+            <a:spLocks/>
+          </p:cNvSpPr>
+          <p:nvPr/>
+        </p:nvSpPr>
+        <p:spPr>
+          <a:xfrm>
+            <a:off x="3316145" y="3927901"/>
+            <a:ext cx="303943" cy="290574"/>
+          </a:xfrm>
+          <a:prstGeom prst="rect">
+            <a:avLst/>
+          </a:prstGeom>
+          <a:noFill/>
+        </p:spPr>
+        <p:txBody>
+          <a:bodyPr vert="horz" lIns="91440" tIns="27432" rIns="91440" bIns="45720" rtlCol="0" anchor="b">
+            <a:noAutofit/>
+          </a:bodyPr>
+          <a:lstStyle>
+            <a:lvl1pPr algn="l" defTabSz="914400" rtl="0" eaLnBrk="1" latinLnBrk="0" hangingPunct="1">
+              <a:lnSpc>
+                <a:spcPct val="90000"/>
+              </a:lnSpc>
+              <a:spcBef>
+                <a:spcPct val="0"/>
+              </a:spcBef>
+              <a:buNone/>
+              <a:defRPr sz="4400" b="1" kern="1200" spc="-50" baseline="0">
+                <a:solidFill>
+                  <a:schemeClr val="accent1"/>
+                </a:solidFill>
+                <a:latin typeface="+mj-lt"/>
+                <a:ea typeface="+mj-ea"/>
+                <a:cs typeface="+mj-cs"/>
+              </a:defRPr>
+            </a:lvl1pPr>
+          </a:lstStyle>
+          <a:p>
+            <a:pPr algn="ctr"/>
+            <a:r>
+              <a:rPr lang="it-IT" sz="1400" dirty="0">
+                <a:solidFill>
+                  <a:schemeClr val="tx1"/>
+                </a:solidFill>
+              </a:rPr>
+              <a:t>4</a:t>
+            </a:r>
+          </a:p>
+        </p:txBody>
+      </p:sp>
+      <p:sp>
+        <p:nvSpPr>
+          <p:cNvPr id="36" name="Titolo 1">
+            <a:extLst>
+              <a:ext uri="{FF2B5EF4-FFF2-40B4-BE49-F238E27FC236}">
+                <a16:creationId xmlns:a16="http://schemas.microsoft.com/office/drawing/2014/main" id="{E9DD5735-ED7F-4D29-BA28-F464A2DC7B7B}"/>
+              </a:ext>
+            </a:extLst>
+          </p:cNvPr>
+          <p:cNvSpPr txBox="1">
+            <a:spLocks/>
+          </p:cNvSpPr>
+          <p:nvPr/>
+        </p:nvSpPr>
+        <p:spPr>
+          <a:xfrm>
+            <a:off x="3316145" y="4258084"/>
+            <a:ext cx="303943" cy="290574"/>
+          </a:xfrm>
+          <a:prstGeom prst="rect">
+            <a:avLst/>
+          </a:prstGeom>
+          <a:noFill/>
+        </p:spPr>
+        <p:txBody>
+          <a:bodyPr vert="horz" lIns="91440" tIns="27432" rIns="91440" bIns="45720" rtlCol="0" anchor="b">
+            <a:noAutofit/>
+          </a:bodyPr>
+          <a:lstStyle>
+            <a:lvl1pPr algn="l" defTabSz="914400" rtl="0" eaLnBrk="1" latinLnBrk="0" hangingPunct="1">
+              <a:lnSpc>
+                <a:spcPct val="90000"/>
+              </a:lnSpc>
+              <a:spcBef>
+                <a:spcPct val="0"/>
+              </a:spcBef>
+              <a:buNone/>
+              <a:defRPr sz="4400" b="1" kern="1200" spc="-50" baseline="0">
+                <a:solidFill>
+                  <a:schemeClr val="accent1"/>
+                </a:solidFill>
+                <a:latin typeface="+mj-lt"/>
+                <a:ea typeface="+mj-ea"/>
+                <a:cs typeface="+mj-cs"/>
+              </a:defRPr>
+            </a:lvl1pPr>
+          </a:lstStyle>
+          <a:p>
+            <a:pPr algn="ctr"/>
+            <a:r>
+              <a:rPr lang="it-IT" sz="1400" dirty="0">
+                <a:solidFill>
+                  <a:schemeClr val="tx1"/>
+                </a:solidFill>
+              </a:rPr>
+              <a:t>5</a:t>
+            </a:r>
+          </a:p>
+        </p:txBody>
+      </p:sp>
+      <p:sp>
+        <p:nvSpPr>
+          <p:cNvPr id="37" name="Titolo 1">
+            <a:extLst>
+              <a:ext uri="{FF2B5EF4-FFF2-40B4-BE49-F238E27FC236}">
+                <a16:creationId xmlns:a16="http://schemas.microsoft.com/office/drawing/2014/main" id="{BCC6D525-BC30-4731-9723-6BFB41A17098}"/>
+              </a:ext>
+            </a:extLst>
+          </p:cNvPr>
+          <p:cNvSpPr txBox="1">
+            <a:spLocks/>
+          </p:cNvSpPr>
+          <p:nvPr/>
+        </p:nvSpPr>
+        <p:spPr>
+          <a:xfrm>
+            <a:off x="3316145" y="4588267"/>
+            <a:ext cx="303943" cy="290574"/>
+          </a:xfrm>
+          <a:prstGeom prst="rect">
+            <a:avLst/>
+          </a:prstGeom>
+          <a:noFill/>
+        </p:spPr>
+        <p:txBody>
+          <a:bodyPr vert="horz" lIns="91440" tIns="27432" rIns="91440" bIns="45720" rtlCol="0" anchor="b">
+            <a:noAutofit/>
+          </a:bodyPr>
+          <a:lstStyle>
+            <a:lvl1pPr algn="l" defTabSz="914400" rtl="0" eaLnBrk="1" latinLnBrk="0" hangingPunct="1">
+              <a:lnSpc>
+                <a:spcPct val="90000"/>
+              </a:lnSpc>
+              <a:spcBef>
+                <a:spcPct val="0"/>
+              </a:spcBef>
+              <a:buNone/>
+              <a:defRPr sz="4400" b="1" kern="1200" spc="-50" baseline="0">
+                <a:solidFill>
+                  <a:schemeClr val="accent1"/>
+                </a:solidFill>
+                <a:latin typeface="+mj-lt"/>
+                <a:ea typeface="+mj-ea"/>
+                <a:cs typeface="+mj-cs"/>
+              </a:defRPr>
+            </a:lvl1pPr>
+          </a:lstStyle>
+          <a:p>
+            <a:pPr algn="ctr"/>
+            <a:r>
+              <a:rPr lang="it-IT" sz="1400" dirty="0">
+                <a:solidFill>
+                  <a:schemeClr val="tx1"/>
+                </a:solidFill>
+              </a:rPr>
+              <a:t>6</a:t>
+            </a:r>
+          </a:p>
+        </p:txBody>
+      </p:sp>
+      <p:sp>
+        <p:nvSpPr>
+          <p:cNvPr id="38" name="Titolo 1">
+            <a:extLst>
+              <a:ext uri="{FF2B5EF4-FFF2-40B4-BE49-F238E27FC236}">
+                <a16:creationId xmlns:a16="http://schemas.microsoft.com/office/drawing/2014/main" id="{A14DE5D3-BC6B-4715-A45C-0700A775BCE6}"/>
+              </a:ext>
+            </a:extLst>
+          </p:cNvPr>
+          <p:cNvSpPr txBox="1">
+            <a:spLocks/>
+          </p:cNvSpPr>
+          <p:nvPr/>
+        </p:nvSpPr>
+        <p:spPr>
+          <a:xfrm>
+            <a:off x="4599367" y="1243444"/>
+            <a:ext cx="303943" cy="290574"/>
+          </a:xfrm>
+          <a:prstGeom prst="rect">
+            <a:avLst/>
+          </a:prstGeom>
+          <a:noFill/>
+        </p:spPr>
+        <p:txBody>
+          <a:bodyPr vert="horz" lIns="91440" tIns="27432" rIns="91440" bIns="45720" rtlCol="0" anchor="b">
+            <a:noAutofit/>
+          </a:bodyPr>
+          <a:lstStyle>
+            <a:lvl1pPr algn="l" defTabSz="914400" rtl="0" eaLnBrk="1" latinLnBrk="0" hangingPunct="1">
+              <a:lnSpc>
+                <a:spcPct val="90000"/>
+              </a:lnSpc>
+              <a:spcBef>
+                <a:spcPct val="0"/>
+              </a:spcBef>
+              <a:buNone/>
+              <a:defRPr sz="4400" b="1" kern="1200" spc="-50" baseline="0">
+                <a:solidFill>
+                  <a:schemeClr val="accent1"/>
+                </a:solidFill>
+                <a:latin typeface="+mj-lt"/>
+                <a:ea typeface="+mj-ea"/>
+                <a:cs typeface="+mj-cs"/>
+              </a:defRPr>
+            </a:lvl1pPr>
+          </a:lstStyle>
+          <a:p>
+            <a:pPr algn="ctr"/>
+            <a:r>
+              <a:rPr lang="it-IT" sz="1400" dirty="0">
+                <a:solidFill>
+                  <a:schemeClr val="tx1"/>
+                </a:solidFill>
+              </a:rPr>
+              <a:t>0</a:t>
+            </a:r>
+          </a:p>
+        </p:txBody>
+      </p:sp>
+      <p:sp>
+        <p:nvSpPr>
+          <p:cNvPr id="39" name="Titolo 1">
+            <a:extLst>
+              <a:ext uri="{FF2B5EF4-FFF2-40B4-BE49-F238E27FC236}">
+                <a16:creationId xmlns:a16="http://schemas.microsoft.com/office/drawing/2014/main" id="{4885D27F-D11E-44F2-8F2F-3B1AE31C65B0}"/>
+              </a:ext>
+            </a:extLst>
+          </p:cNvPr>
+          <p:cNvSpPr txBox="1">
+            <a:spLocks/>
+          </p:cNvSpPr>
+          <p:nvPr/>
+        </p:nvSpPr>
+        <p:spPr>
+          <a:xfrm>
+            <a:off x="4599366" y="1575973"/>
+            <a:ext cx="303943" cy="290574"/>
+          </a:xfrm>
+          <a:prstGeom prst="rect">
+            <a:avLst/>
+          </a:prstGeom>
+          <a:noFill/>
+        </p:spPr>
+        <p:txBody>
+          <a:bodyPr vert="horz" lIns="91440" tIns="27432" rIns="91440" bIns="45720" rtlCol="0" anchor="b">
+            <a:noAutofit/>
+          </a:bodyPr>
+          <a:lstStyle>
+            <a:lvl1pPr algn="l" defTabSz="914400" rtl="0" eaLnBrk="1" latinLnBrk="0" hangingPunct="1">
+              <a:lnSpc>
+                <a:spcPct val="90000"/>
+              </a:lnSpc>
+              <a:spcBef>
+                <a:spcPct val="0"/>
+              </a:spcBef>
+              <a:buNone/>
+              <a:defRPr sz="4400" b="1" kern="1200" spc="-50" baseline="0">
+                <a:solidFill>
+                  <a:schemeClr val="accent1"/>
+                </a:solidFill>
+                <a:latin typeface="+mj-lt"/>
+                <a:ea typeface="+mj-ea"/>
+                <a:cs typeface="+mj-cs"/>
+              </a:defRPr>
+            </a:lvl1pPr>
+          </a:lstStyle>
+          <a:p>
+            <a:pPr algn="ctr"/>
+            <a:r>
+              <a:rPr lang="it-IT" sz="1400" dirty="0">
+                <a:solidFill>
+                  <a:schemeClr val="tx1"/>
+                </a:solidFill>
+              </a:rPr>
+              <a:t>1</a:t>
+            </a:r>
+          </a:p>
+        </p:txBody>
+      </p:sp>
+      <p:sp>
+        <p:nvSpPr>
+          <p:cNvPr id="40" name="Titolo 1">
+            <a:extLst>
+              <a:ext uri="{FF2B5EF4-FFF2-40B4-BE49-F238E27FC236}">
+                <a16:creationId xmlns:a16="http://schemas.microsoft.com/office/drawing/2014/main" id="{2C1F537C-52CA-4CAF-B450-A28A6314D3F5}"/>
+              </a:ext>
+            </a:extLst>
+          </p:cNvPr>
+          <p:cNvSpPr txBox="1">
+            <a:spLocks/>
+          </p:cNvSpPr>
+          <p:nvPr/>
+        </p:nvSpPr>
+        <p:spPr>
+          <a:xfrm>
+            <a:off x="4599366" y="1888208"/>
+            <a:ext cx="303943" cy="290574"/>
+          </a:xfrm>
+          <a:prstGeom prst="rect">
+            <a:avLst/>
+          </a:prstGeom>
+          <a:noFill/>
+        </p:spPr>
+        <p:txBody>
+          <a:bodyPr vert="horz" lIns="91440" tIns="27432" rIns="91440" bIns="45720" rtlCol="0" anchor="b">
+            <a:noAutofit/>
+          </a:bodyPr>
+          <a:lstStyle>
+            <a:lvl1pPr algn="l" defTabSz="914400" rtl="0" eaLnBrk="1" latinLnBrk="0" hangingPunct="1">
+              <a:lnSpc>
+                <a:spcPct val="90000"/>
+              </a:lnSpc>
+              <a:spcBef>
+                <a:spcPct val="0"/>
+              </a:spcBef>
+              <a:buNone/>
+              <a:defRPr sz="4400" b="1" kern="1200" spc="-50" baseline="0">
+                <a:solidFill>
+                  <a:schemeClr val="accent1"/>
+                </a:solidFill>
+                <a:latin typeface="+mj-lt"/>
+                <a:ea typeface="+mj-ea"/>
+                <a:cs typeface="+mj-cs"/>
+              </a:defRPr>
+            </a:lvl1pPr>
+          </a:lstStyle>
+          <a:p>
+            <a:pPr algn="ctr"/>
+            <a:r>
+              <a:rPr lang="it-IT" sz="1400" dirty="0">
+                <a:solidFill>
+                  <a:schemeClr val="tx1"/>
+                </a:solidFill>
+              </a:rPr>
+              <a:t>2</a:t>
+            </a:r>
+          </a:p>
+        </p:txBody>
+      </p:sp>
+      <p:sp>
+        <p:nvSpPr>
+          <p:cNvPr id="41" name="Titolo 1">
+            <a:extLst>
+              <a:ext uri="{FF2B5EF4-FFF2-40B4-BE49-F238E27FC236}">
+                <a16:creationId xmlns:a16="http://schemas.microsoft.com/office/drawing/2014/main" id="{2BC37F8E-B5B5-4B99-9D97-9CBDBCA698C6}"/>
+              </a:ext>
+            </a:extLst>
+          </p:cNvPr>
+          <p:cNvSpPr txBox="1">
+            <a:spLocks/>
+          </p:cNvSpPr>
+          <p:nvPr/>
+        </p:nvSpPr>
+        <p:spPr>
+          <a:xfrm>
+            <a:off x="4599365" y="2225283"/>
+            <a:ext cx="303943" cy="290574"/>
+          </a:xfrm>
+          <a:prstGeom prst="rect">
+            <a:avLst/>
+          </a:prstGeom>
+          <a:noFill/>
+        </p:spPr>
+        <p:txBody>
+          <a:bodyPr vert="horz" lIns="91440" tIns="27432" rIns="91440" bIns="45720" rtlCol="0" anchor="b">
+            <a:noAutofit/>
+          </a:bodyPr>
+          <a:lstStyle>
+            <a:lvl1pPr algn="l" defTabSz="914400" rtl="0" eaLnBrk="1" latinLnBrk="0" hangingPunct="1">
+              <a:lnSpc>
+                <a:spcPct val="90000"/>
+              </a:lnSpc>
+              <a:spcBef>
+                <a:spcPct val="0"/>
+              </a:spcBef>
+              <a:buNone/>
+              <a:defRPr sz="4400" b="1" kern="1200" spc="-50" baseline="0">
+                <a:solidFill>
+                  <a:schemeClr val="accent1"/>
+                </a:solidFill>
+                <a:latin typeface="+mj-lt"/>
+                <a:ea typeface="+mj-ea"/>
+                <a:cs typeface="+mj-cs"/>
+              </a:defRPr>
+            </a:lvl1pPr>
+          </a:lstStyle>
+          <a:p>
+            <a:pPr algn="ctr"/>
+            <a:r>
+              <a:rPr lang="it-IT" sz="1400" dirty="0">
+                <a:solidFill>
+                  <a:schemeClr val="tx1"/>
+                </a:solidFill>
+              </a:rPr>
+              <a:t>3</a:t>
+            </a:r>
+          </a:p>
+        </p:txBody>
+      </p:sp>
+      <p:sp>
+        <p:nvSpPr>
+          <p:cNvPr id="42" name="Titolo 1">
+            <a:extLst>
+              <a:ext uri="{FF2B5EF4-FFF2-40B4-BE49-F238E27FC236}">
+                <a16:creationId xmlns:a16="http://schemas.microsoft.com/office/drawing/2014/main" id="{309E3061-E27B-4B76-8882-29E757271545}"/>
+              </a:ext>
+            </a:extLst>
+          </p:cNvPr>
+          <p:cNvSpPr txBox="1">
+            <a:spLocks/>
+          </p:cNvSpPr>
+          <p:nvPr/>
+        </p:nvSpPr>
+        <p:spPr>
+          <a:xfrm>
+            <a:off x="4599365" y="2568244"/>
+            <a:ext cx="303943" cy="290574"/>
+          </a:xfrm>
+          <a:prstGeom prst="rect">
+            <a:avLst/>
+          </a:prstGeom>
+          <a:noFill/>
+        </p:spPr>
+        <p:txBody>
+          <a:bodyPr vert="horz" lIns="91440" tIns="27432" rIns="91440" bIns="45720" rtlCol="0" anchor="b">
+            <a:noAutofit/>
+          </a:bodyPr>
+          <a:lstStyle>
+            <a:lvl1pPr algn="l" defTabSz="914400" rtl="0" eaLnBrk="1" latinLnBrk="0" hangingPunct="1">
+              <a:lnSpc>
+                <a:spcPct val="90000"/>
+              </a:lnSpc>
+              <a:spcBef>
+                <a:spcPct val="0"/>
+              </a:spcBef>
+              <a:buNone/>
+              <a:defRPr sz="4400" b="1" kern="1200" spc="-50" baseline="0">
+                <a:solidFill>
+                  <a:schemeClr val="accent1"/>
+                </a:solidFill>
+                <a:latin typeface="+mj-lt"/>
+                <a:ea typeface="+mj-ea"/>
+                <a:cs typeface="+mj-cs"/>
+              </a:defRPr>
+            </a:lvl1pPr>
+          </a:lstStyle>
+          <a:p>
+            <a:pPr algn="ctr"/>
+            <a:r>
+              <a:rPr lang="it-IT" sz="1400" dirty="0">
+                <a:solidFill>
+                  <a:schemeClr val="tx1"/>
+                </a:solidFill>
+              </a:rPr>
+              <a:t>4</a:t>
+            </a:r>
+          </a:p>
+        </p:txBody>
+      </p:sp>
+      <p:sp>
+        <p:nvSpPr>
+          <p:cNvPr id="43" name="Titolo 1">
+            <a:extLst>
+              <a:ext uri="{FF2B5EF4-FFF2-40B4-BE49-F238E27FC236}">
+                <a16:creationId xmlns:a16="http://schemas.microsoft.com/office/drawing/2014/main" id="{63B3F796-F8FA-4CBD-831B-5EEAB7E2B027}"/>
+              </a:ext>
+            </a:extLst>
+          </p:cNvPr>
+          <p:cNvSpPr txBox="1">
+            <a:spLocks/>
+          </p:cNvSpPr>
+          <p:nvPr/>
+        </p:nvSpPr>
+        <p:spPr>
+          <a:xfrm>
+            <a:off x="4599365" y="2898427"/>
+            <a:ext cx="303943" cy="290574"/>
+          </a:xfrm>
+          <a:prstGeom prst="rect">
+            <a:avLst/>
+          </a:prstGeom>
+          <a:noFill/>
+        </p:spPr>
+        <p:txBody>
+          <a:bodyPr vert="horz" lIns="91440" tIns="27432" rIns="91440" bIns="45720" rtlCol="0" anchor="b">
+            <a:noAutofit/>
+          </a:bodyPr>
+          <a:lstStyle>
+            <a:lvl1pPr algn="l" defTabSz="914400" rtl="0" eaLnBrk="1" latinLnBrk="0" hangingPunct="1">
+              <a:lnSpc>
+                <a:spcPct val="90000"/>
+              </a:lnSpc>
+              <a:spcBef>
+                <a:spcPct val="0"/>
+              </a:spcBef>
+              <a:buNone/>
+              <a:defRPr sz="4400" b="1" kern="1200" spc="-50" baseline="0">
+                <a:solidFill>
+                  <a:schemeClr val="accent1"/>
+                </a:solidFill>
+                <a:latin typeface="+mj-lt"/>
+                <a:ea typeface="+mj-ea"/>
+                <a:cs typeface="+mj-cs"/>
+              </a:defRPr>
+            </a:lvl1pPr>
+          </a:lstStyle>
+          <a:p>
+            <a:pPr algn="ctr"/>
+            <a:r>
+              <a:rPr lang="it-IT" sz="1400" dirty="0">
+                <a:solidFill>
+                  <a:schemeClr val="tx1"/>
+                </a:solidFill>
+              </a:rPr>
+              <a:t>5</a:t>
+            </a:r>
+          </a:p>
+        </p:txBody>
+      </p:sp>
+      <p:sp>
+        <p:nvSpPr>
+          <p:cNvPr id="44" name="Titolo 1">
+            <a:extLst>
+              <a:ext uri="{FF2B5EF4-FFF2-40B4-BE49-F238E27FC236}">
+                <a16:creationId xmlns:a16="http://schemas.microsoft.com/office/drawing/2014/main" id="{37BE00D4-E0F3-4D8C-9B03-2DDF80A5EC86}"/>
+              </a:ext>
+            </a:extLst>
+          </p:cNvPr>
+          <p:cNvSpPr txBox="1">
+            <a:spLocks/>
+          </p:cNvSpPr>
+          <p:nvPr/>
+        </p:nvSpPr>
+        <p:spPr>
+          <a:xfrm>
+            <a:off x="4599365" y="3228610"/>
+            <a:ext cx="303943" cy="290574"/>
+          </a:xfrm>
+          <a:prstGeom prst="rect">
+            <a:avLst/>
+          </a:prstGeom>
+          <a:noFill/>
+        </p:spPr>
+        <p:txBody>
+          <a:bodyPr vert="horz" lIns="91440" tIns="27432" rIns="91440" bIns="45720" rtlCol="0" anchor="b">
+            <a:noAutofit/>
+          </a:bodyPr>
+          <a:lstStyle>
+            <a:lvl1pPr algn="l" defTabSz="914400" rtl="0" eaLnBrk="1" latinLnBrk="0" hangingPunct="1">
+              <a:lnSpc>
+                <a:spcPct val="90000"/>
+              </a:lnSpc>
+              <a:spcBef>
+                <a:spcPct val="0"/>
+              </a:spcBef>
+              <a:buNone/>
+              <a:defRPr sz="4400" b="1" kern="1200" spc="-50" baseline="0">
+                <a:solidFill>
+                  <a:schemeClr val="accent1"/>
+                </a:solidFill>
+                <a:latin typeface="+mj-lt"/>
+                <a:ea typeface="+mj-ea"/>
+                <a:cs typeface="+mj-cs"/>
+              </a:defRPr>
+            </a:lvl1pPr>
+          </a:lstStyle>
+          <a:p>
+            <a:pPr algn="ctr"/>
+            <a:r>
+              <a:rPr lang="it-IT" sz="1400" dirty="0">
+                <a:solidFill>
+                  <a:schemeClr val="tx1"/>
+                </a:solidFill>
+              </a:rPr>
+              <a:t>6</a:t>
+            </a:r>
+          </a:p>
+        </p:txBody>
+      </p:sp>
+      <p:sp>
+        <p:nvSpPr>
+          <p:cNvPr id="46" name="Titolo 1">
+            <a:extLst>
+              <a:ext uri="{FF2B5EF4-FFF2-40B4-BE49-F238E27FC236}">
+                <a16:creationId xmlns:a16="http://schemas.microsoft.com/office/drawing/2014/main" id="{489A0604-7786-44B8-A057-D9B99EE9D60B}"/>
+              </a:ext>
+            </a:extLst>
+          </p:cNvPr>
+          <p:cNvSpPr txBox="1">
+            <a:spLocks/>
+          </p:cNvSpPr>
+          <p:nvPr/>
+        </p:nvSpPr>
+        <p:spPr>
+          <a:xfrm>
+            <a:off x="4599366" y="3536695"/>
+            <a:ext cx="303943" cy="290574"/>
+          </a:xfrm>
+          <a:prstGeom prst="rect">
+            <a:avLst/>
+          </a:prstGeom>
+          <a:noFill/>
+        </p:spPr>
+        <p:txBody>
+          <a:bodyPr vert="horz" lIns="91440" tIns="27432" rIns="91440" bIns="45720" rtlCol="0" anchor="b">
+            <a:noAutofit/>
+          </a:bodyPr>
+          <a:lstStyle>
+            <a:lvl1pPr algn="l" defTabSz="914400" rtl="0" eaLnBrk="1" latinLnBrk="0" hangingPunct="1">
+              <a:lnSpc>
+                <a:spcPct val="90000"/>
+              </a:lnSpc>
+              <a:spcBef>
+                <a:spcPct val="0"/>
+              </a:spcBef>
+              <a:buNone/>
+              <a:defRPr sz="4400" b="1" kern="1200" spc="-50" baseline="0">
+                <a:solidFill>
+                  <a:schemeClr val="accent1"/>
+                </a:solidFill>
+                <a:latin typeface="+mj-lt"/>
+                <a:ea typeface="+mj-ea"/>
+                <a:cs typeface="+mj-cs"/>
+              </a:defRPr>
+            </a:lvl1pPr>
+          </a:lstStyle>
+          <a:p>
+            <a:pPr algn="ctr"/>
+            <a:r>
+              <a:rPr lang="it-IT" sz="1400" dirty="0">
+                <a:solidFill>
+                  <a:schemeClr val="tx1"/>
+                </a:solidFill>
+              </a:rPr>
+              <a:t>7</a:t>
+            </a:r>
+          </a:p>
+        </p:txBody>
+      </p:sp>
+      <p:sp>
+        <p:nvSpPr>
+          <p:cNvPr id="47" name="Titolo 1">
+            <a:extLst>
+              <a:ext uri="{FF2B5EF4-FFF2-40B4-BE49-F238E27FC236}">
+                <a16:creationId xmlns:a16="http://schemas.microsoft.com/office/drawing/2014/main" id="{3C695304-C45B-4A5A-BADE-6545A668FB62}"/>
+              </a:ext>
+            </a:extLst>
+          </p:cNvPr>
+          <p:cNvSpPr txBox="1">
+            <a:spLocks/>
+          </p:cNvSpPr>
+          <p:nvPr/>
+        </p:nvSpPr>
+        <p:spPr>
+          <a:xfrm>
+            <a:off x="4599366" y="3848930"/>
+            <a:ext cx="303943" cy="290574"/>
+          </a:xfrm>
+          <a:prstGeom prst="rect">
+            <a:avLst/>
+          </a:prstGeom>
+          <a:noFill/>
+        </p:spPr>
+        <p:txBody>
+          <a:bodyPr vert="horz" lIns="91440" tIns="27432" rIns="91440" bIns="45720" rtlCol="0" anchor="b">
+            <a:noAutofit/>
+          </a:bodyPr>
+          <a:lstStyle>
+            <a:lvl1pPr algn="l" defTabSz="914400" rtl="0" eaLnBrk="1" latinLnBrk="0" hangingPunct="1">
+              <a:lnSpc>
+                <a:spcPct val="90000"/>
+              </a:lnSpc>
+              <a:spcBef>
+                <a:spcPct val="0"/>
+              </a:spcBef>
+              <a:buNone/>
+              <a:defRPr sz="4400" b="1" kern="1200" spc="-50" baseline="0">
+                <a:solidFill>
+                  <a:schemeClr val="accent1"/>
+                </a:solidFill>
+                <a:latin typeface="+mj-lt"/>
+                <a:ea typeface="+mj-ea"/>
+                <a:cs typeface="+mj-cs"/>
+              </a:defRPr>
+            </a:lvl1pPr>
+          </a:lstStyle>
+          <a:p>
+            <a:pPr algn="ctr"/>
+            <a:r>
+              <a:rPr lang="it-IT" sz="1400" dirty="0">
+                <a:solidFill>
+                  <a:schemeClr val="tx1"/>
+                </a:solidFill>
+              </a:rPr>
+              <a:t>8</a:t>
+            </a:r>
+          </a:p>
+        </p:txBody>
+      </p:sp>
+      <p:sp>
+        <p:nvSpPr>
+          <p:cNvPr id="48" name="Titolo 1">
+            <a:extLst>
+              <a:ext uri="{FF2B5EF4-FFF2-40B4-BE49-F238E27FC236}">
+                <a16:creationId xmlns:a16="http://schemas.microsoft.com/office/drawing/2014/main" id="{B577F1D5-C1F8-4E75-B4EC-67C11A6AE9E5}"/>
+              </a:ext>
+            </a:extLst>
+          </p:cNvPr>
+          <p:cNvSpPr txBox="1">
+            <a:spLocks/>
+          </p:cNvSpPr>
+          <p:nvPr/>
+        </p:nvSpPr>
+        <p:spPr>
+          <a:xfrm>
+            <a:off x="4599365" y="4186005"/>
+            <a:ext cx="303943" cy="290574"/>
+          </a:xfrm>
+          <a:prstGeom prst="rect">
+            <a:avLst/>
+          </a:prstGeom>
+          <a:noFill/>
+        </p:spPr>
+        <p:txBody>
+          <a:bodyPr vert="horz" lIns="91440" tIns="27432" rIns="91440" bIns="45720" rtlCol="0" anchor="b">
+            <a:noAutofit/>
+          </a:bodyPr>
+          <a:lstStyle>
+            <a:lvl1pPr algn="l" defTabSz="914400" rtl="0" eaLnBrk="1" latinLnBrk="0" hangingPunct="1">
+              <a:lnSpc>
+                <a:spcPct val="90000"/>
+              </a:lnSpc>
+              <a:spcBef>
+                <a:spcPct val="0"/>
+              </a:spcBef>
+              <a:buNone/>
+              <a:defRPr sz="4400" b="1" kern="1200" spc="-50" baseline="0">
+                <a:solidFill>
+                  <a:schemeClr val="accent1"/>
+                </a:solidFill>
+                <a:latin typeface="+mj-lt"/>
+                <a:ea typeface="+mj-ea"/>
+                <a:cs typeface="+mj-cs"/>
+              </a:defRPr>
+            </a:lvl1pPr>
+          </a:lstStyle>
+          <a:p>
+            <a:pPr algn="ctr"/>
+            <a:r>
+              <a:rPr lang="it-IT" sz="1400" dirty="0">
+                <a:solidFill>
+                  <a:schemeClr val="tx1"/>
+                </a:solidFill>
+              </a:rPr>
+              <a:t>9</a:t>
+            </a:r>
+          </a:p>
+        </p:txBody>
+      </p:sp>
+      <p:sp>
+        <p:nvSpPr>
+          <p:cNvPr id="49" name="Titolo 1">
+            <a:extLst>
+              <a:ext uri="{FF2B5EF4-FFF2-40B4-BE49-F238E27FC236}">
+                <a16:creationId xmlns:a16="http://schemas.microsoft.com/office/drawing/2014/main" id="{5943060E-DCF6-4145-B2E9-0C217EA76658}"/>
+              </a:ext>
+            </a:extLst>
+          </p:cNvPr>
+          <p:cNvSpPr txBox="1">
+            <a:spLocks/>
+          </p:cNvSpPr>
+          <p:nvPr/>
+        </p:nvSpPr>
+        <p:spPr>
+          <a:xfrm>
+            <a:off x="4541169" y="4530862"/>
+            <a:ext cx="420333" cy="290574"/>
+          </a:xfrm>
+          <a:prstGeom prst="rect">
+            <a:avLst/>
+          </a:prstGeom>
+          <a:noFill/>
+        </p:spPr>
+        <p:txBody>
+          <a:bodyPr vert="horz" lIns="91440" tIns="27432" rIns="91440" bIns="45720" rtlCol="0" anchor="b">
+            <a:noAutofit/>
+          </a:bodyPr>
+          <a:lstStyle>
+            <a:lvl1pPr algn="l" defTabSz="914400" rtl="0" eaLnBrk="1" latinLnBrk="0" hangingPunct="1">
+              <a:lnSpc>
+                <a:spcPct val="90000"/>
+              </a:lnSpc>
+              <a:spcBef>
+                <a:spcPct val="0"/>
+              </a:spcBef>
+              <a:buNone/>
+              <a:defRPr sz="4400" b="1" kern="1200" spc="-50" baseline="0">
+                <a:solidFill>
+                  <a:schemeClr val="accent1"/>
+                </a:solidFill>
+                <a:latin typeface="+mj-lt"/>
+                <a:ea typeface="+mj-ea"/>
+                <a:cs typeface="+mj-cs"/>
+              </a:defRPr>
+            </a:lvl1pPr>
+          </a:lstStyle>
+          <a:p>
+            <a:pPr algn="ctr"/>
+            <a:r>
+              <a:rPr lang="it-IT" sz="1400" dirty="0">
+                <a:solidFill>
+                  <a:schemeClr val="tx1"/>
+                </a:solidFill>
+              </a:rPr>
+              <a:t>10</a:t>
+            </a:r>
+          </a:p>
+        </p:txBody>
+      </p:sp>
+      <p:sp>
+        <p:nvSpPr>
+          <p:cNvPr id="52" name="Titolo 1">
+            <a:extLst>
+              <a:ext uri="{FF2B5EF4-FFF2-40B4-BE49-F238E27FC236}">
+                <a16:creationId xmlns:a16="http://schemas.microsoft.com/office/drawing/2014/main" id="{60512E21-117B-44C1-8687-64D89D19687B}"/>
+              </a:ext>
+            </a:extLst>
+          </p:cNvPr>
+          <p:cNvSpPr txBox="1">
+            <a:spLocks/>
+          </p:cNvSpPr>
+          <p:nvPr/>
+        </p:nvSpPr>
+        <p:spPr>
+          <a:xfrm>
+            <a:off x="4541169" y="4862542"/>
+            <a:ext cx="420333" cy="290574"/>
+          </a:xfrm>
+          <a:prstGeom prst="rect">
+            <a:avLst/>
+          </a:prstGeom>
+          <a:noFill/>
+        </p:spPr>
+        <p:txBody>
+          <a:bodyPr vert="horz" lIns="91440" tIns="27432" rIns="91440" bIns="45720" rtlCol="0" anchor="b">
+            <a:noAutofit/>
+          </a:bodyPr>
+          <a:lstStyle>
+            <a:lvl1pPr algn="l" defTabSz="914400" rtl="0" eaLnBrk="1" latinLnBrk="0" hangingPunct="1">
+              <a:lnSpc>
+                <a:spcPct val="90000"/>
+              </a:lnSpc>
+              <a:spcBef>
+                <a:spcPct val="0"/>
+              </a:spcBef>
+              <a:buNone/>
+              <a:defRPr sz="4400" b="1" kern="1200" spc="-50" baseline="0">
+                <a:solidFill>
+                  <a:schemeClr val="accent1"/>
+                </a:solidFill>
+                <a:latin typeface="+mj-lt"/>
+                <a:ea typeface="+mj-ea"/>
+                <a:cs typeface="+mj-cs"/>
+              </a:defRPr>
+            </a:lvl1pPr>
+          </a:lstStyle>
+          <a:p>
+            <a:pPr algn="ctr"/>
+            <a:r>
+              <a:rPr lang="it-IT" sz="1400" dirty="0">
+                <a:solidFill>
+                  <a:schemeClr val="tx1"/>
+                </a:solidFill>
+              </a:rPr>
+              <a:t>10</a:t>
+            </a:r>
+          </a:p>
+        </p:txBody>
+      </p:sp>
+      <p:sp>
+        <p:nvSpPr>
+          <p:cNvPr id="53" name="Titolo 1">
+            <a:extLst>
+              <a:ext uri="{FF2B5EF4-FFF2-40B4-BE49-F238E27FC236}">
+                <a16:creationId xmlns:a16="http://schemas.microsoft.com/office/drawing/2014/main" id="{98C06004-4C3F-4B58-9F27-97CA5E960349}"/>
+              </a:ext>
+            </a:extLst>
+          </p:cNvPr>
+          <p:cNvSpPr txBox="1">
+            <a:spLocks/>
+          </p:cNvSpPr>
+          <p:nvPr/>
+        </p:nvSpPr>
+        <p:spPr>
+          <a:xfrm>
+            <a:off x="4541168" y="5190791"/>
+            <a:ext cx="420333" cy="290574"/>
+          </a:xfrm>
+          <a:prstGeom prst="rect">
+            <a:avLst/>
+          </a:prstGeom>
+          <a:noFill/>
+        </p:spPr>
+        <p:txBody>
+          <a:bodyPr vert="horz" lIns="91440" tIns="27432" rIns="91440" bIns="45720" rtlCol="0" anchor="b">
+            <a:noAutofit/>
+          </a:bodyPr>
+          <a:lstStyle>
+            <a:lvl1pPr algn="l" defTabSz="914400" rtl="0" eaLnBrk="1" latinLnBrk="0" hangingPunct="1">
+              <a:lnSpc>
+                <a:spcPct val="90000"/>
+              </a:lnSpc>
+              <a:spcBef>
+                <a:spcPct val="0"/>
+              </a:spcBef>
+              <a:buNone/>
+              <a:defRPr sz="4400" b="1" kern="1200" spc="-50" baseline="0">
+                <a:solidFill>
+                  <a:schemeClr val="accent1"/>
+                </a:solidFill>
+                <a:latin typeface="+mj-lt"/>
+                <a:ea typeface="+mj-ea"/>
+                <a:cs typeface="+mj-cs"/>
+              </a:defRPr>
+            </a:lvl1pPr>
+          </a:lstStyle>
+          <a:p>
+            <a:pPr algn="ctr"/>
+            <a:r>
+              <a:rPr lang="it-IT" sz="1400" dirty="0">
+                <a:solidFill>
+                  <a:schemeClr val="tx1"/>
+                </a:solidFill>
+              </a:rPr>
+              <a:t>11</a:t>
+            </a:r>
+          </a:p>
+        </p:txBody>
+      </p:sp>
+      <p:sp>
+        <p:nvSpPr>
+          <p:cNvPr id="54" name="Titolo 1">
+            <a:extLst>
+              <a:ext uri="{FF2B5EF4-FFF2-40B4-BE49-F238E27FC236}">
+                <a16:creationId xmlns:a16="http://schemas.microsoft.com/office/drawing/2014/main" id="{B56B3986-AA17-44B7-8FA6-4556F4C9456C}"/>
+              </a:ext>
+            </a:extLst>
+          </p:cNvPr>
+          <p:cNvSpPr txBox="1">
+            <a:spLocks/>
+          </p:cNvSpPr>
+          <p:nvPr/>
+        </p:nvSpPr>
+        <p:spPr>
+          <a:xfrm>
+            <a:off x="4541168" y="5521363"/>
+            <a:ext cx="420333" cy="290574"/>
+          </a:xfrm>
+          <a:prstGeom prst="rect">
+            <a:avLst/>
+          </a:prstGeom>
+          <a:noFill/>
+        </p:spPr>
+        <p:txBody>
+          <a:bodyPr vert="horz" lIns="91440" tIns="27432" rIns="91440" bIns="45720" rtlCol="0" anchor="b">
+            <a:noAutofit/>
+          </a:bodyPr>
+          <a:lstStyle>
+            <a:lvl1pPr algn="l" defTabSz="914400" rtl="0" eaLnBrk="1" latinLnBrk="0" hangingPunct="1">
+              <a:lnSpc>
+                <a:spcPct val="90000"/>
+              </a:lnSpc>
+              <a:spcBef>
+                <a:spcPct val="0"/>
+              </a:spcBef>
+              <a:buNone/>
+              <a:defRPr sz="4400" b="1" kern="1200" spc="-50" baseline="0">
+                <a:solidFill>
+                  <a:schemeClr val="accent1"/>
+                </a:solidFill>
+                <a:latin typeface="+mj-lt"/>
+                <a:ea typeface="+mj-ea"/>
+                <a:cs typeface="+mj-cs"/>
+              </a:defRPr>
+            </a:lvl1pPr>
+          </a:lstStyle>
+          <a:p>
+            <a:pPr algn="ctr"/>
+            <a:r>
+              <a:rPr lang="it-IT" sz="1400" dirty="0">
+                <a:solidFill>
+                  <a:schemeClr val="tx1"/>
+                </a:solidFill>
+              </a:rPr>
+              <a:t>12</a:t>
+            </a:r>
+          </a:p>
+        </p:txBody>
+      </p:sp>
+      <p:sp>
+        <p:nvSpPr>
+          <p:cNvPr id="55" name="Titolo 1">
+            <a:extLst>
+              <a:ext uri="{FF2B5EF4-FFF2-40B4-BE49-F238E27FC236}">
+                <a16:creationId xmlns:a16="http://schemas.microsoft.com/office/drawing/2014/main" id="{5306FC6A-3793-41CB-B6A5-42F9F6791F14}"/>
+              </a:ext>
+            </a:extLst>
+          </p:cNvPr>
+          <p:cNvSpPr txBox="1">
+            <a:spLocks/>
+          </p:cNvSpPr>
+          <p:nvPr/>
+        </p:nvSpPr>
+        <p:spPr>
+          <a:xfrm>
+            <a:off x="4540310" y="5864966"/>
+            <a:ext cx="420333" cy="290574"/>
+          </a:xfrm>
+          <a:prstGeom prst="rect">
+            <a:avLst/>
+          </a:prstGeom>
+          <a:noFill/>
+        </p:spPr>
+        <p:txBody>
+          <a:bodyPr vert="horz" lIns="91440" tIns="27432" rIns="91440" bIns="45720" rtlCol="0" anchor="b">
+            <a:noAutofit/>
+          </a:bodyPr>
+          <a:lstStyle>
+            <a:lvl1pPr algn="l" defTabSz="914400" rtl="0" eaLnBrk="1" latinLnBrk="0" hangingPunct="1">
+              <a:lnSpc>
+                <a:spcPct val="90000"/>
+              </a:lnSpc>
+              <a:spcBef>
+                <a:spcPct val="0"/>
+              </a:spcBef>
+              <a:buNone/>
+              <a:defRPr sz="4400" b="1" kern="1200" spc="-50" baseline="0">
+                <a:solidFill>
+                  <a:schemeClr val="accent1"/>
+                </a:solidFill>
+                <a:latin typeface="+mj-lt"/>
+                <a:ea typeface="+mj-ea"/>
+                <a:cs typeface="+mj-cs"/>
+              </a:defRPr>
+            </a:lvl1pPr>
+          </a:lstStyle>
+          <a:p>
+            <a:pPr algn="ctr"/>
+            <a:r>
+              <a:rPr lang="it-IT" sz="1400" dirty="0">
+                <a:solidFill>
+                  <a:schemeClr val="tx1"/>
+                </a:solidFill>
+              </a:rPr>
+              <a:t>13</a:t>
+            </a:r>
+          </a:p>
+        </p:txBody>
+      </p:sp>
+    </p:spTree>
+    <p:extLst>
+      <p:ext uri="{BB962C8B-B14F-4D97-AF65-F5344CB8AC3E}">
+        <p14:creationId xmlns:p14="http://schemas.microsoft.com/office/powerpoint/2010/main" val="3737032428"/>
+      </p:ext>
+    </p:extLst>
+  </p:cSld>
+  <p:clrMapOvr>
+    <a:masterClrMapping/>
+  </p:clrMapOvr>
+  <p:timing>
+    <p:tnLst>
+      <p:par>
+        <p:cTn id="1" dur="indefinite" restart="never" nodeType="tmRoot">
+          <p:childTnLst>
+            <p:seq concurrent="1" nextAc="seek">
+              <p:cTn id="2" dur="indefinite" nodeType="mainSeq">
+                <p:childTnLst>
+                  <p:par>
+                    <p:cTn id="3" fill="hold">
+                      <p:stCondLst>
+                        <p:cond delay="indefinite"/>
+                      </p:stCondLst>
+                      <p:childTnLst>
+                        <p:par>
+                          <p:cTn id="4" fill="hold">
+                            <p:stCondLst>
+                              <p:cond delay="0"/>
+                            </p:stCondLst>
+                            <p:childTnLst>
+                              <p:par>
+                                <p:cTn id="5" presetID="10" presetClass="exit" presetSubtype="0" fill="hold" grpId="0" nodeType="clickEffect">
+                                  <p:stCondLst>
+                                    <p:cond delay="0"/>
+                                  </p:stCondLst>
+                                  <p:childTnLst>
+                                    <p:animEffect transition="out" filter="fade">
+                                      <p:cBhvr>
+                                        <p:cTn id="6" dur="500"/>
+                                        <p:tgtEl>
+                                          <p:spTgt spid="23"/>
+                                        </p:tgtEl>
+                                      </p:cBhvr>
+                                    </p:animEffect>
+                                    <p:set>
+                                      <p:cBhvr>
+                                        <p:cTn id="7" dur="1" fill="hold">
+                                          <p:stCondLst>
+                                            <p:cond delay="499"/>
+                                          </p:stCondLst>
+                                        </p:cTn>
+                                        <p:tgtEl>
+                                          <p:spTgt spid="23"/>
+                                        </p:tgtEl>
+                                        <p:attrNameLst>
+                                          <p:attrName>style.visibility</p:attrName>
+                                        </p:attrNameLst>
+                                      </p:cBhvr>
+                                      <p:to>
+                                        <p:strVal val="hidden"/>
+                                      </p:to>
+                                    </p:set>
+                                  </p:childTnLst>
+                                </p:cTn>
+                              </p:par>
+                              <p:par>
+                                <p:cTn id="8" presetID="10" presetClass="exit" presetSubtype="0" fill="hold" grpId="0" nodeType="withEffect">
+                                  <p:stCondLst>
+                                    <p:cond delay="0"/>
+                                  </p:stCondLst>
+                                  <p:childTnLst>
+                                    <p:animEffect transition="out" filter="fade">
+                                      <p:cBhvr>
+                                        <p:cTn id="9" dur="500"/>
+                                        <p:tgtEl>
+                                          <p:spTgt spid="24"/>
+                                        </p:tgtEl>
+                                      </p:cBhvr>
+                                    </p:animEffect>
+                                    <p:set>
+                                      <p:cBhvr>
+                                        <p:cTn id="10" dur="1" fill="hold">
+                                          <p:stCondLst>
+                                            <p:cond delay="499"/>
+                                          </p:stCondLst>
+                                        </p:cTn>
+                                        <p:tgtEl>
+                                          <p:spTgt spid="24"/>
+                                        </p:tgtEl>
+                                        <p:attrNameLst>
+                                          <p:attrName>style.visibility</p:attrName>
+                                        </p:attrNameLst>
+                                      </p:cBhvr>
+                                      <p:to>
+                                        <p:strVal val="hidden"/>
+                                      </p:to>
+                                    </p:set>
+                                  </p:childTnLst>
+                                </p:cTn>
+                              </p:par>
+                              <p:par>
+                                <p:cTn id="11" presetID="10" presetClass="exit" presetSubtype="0" fill="hold" grpId="0" nodeType="withEffect">
+                                  <p:stCondLst>
+                                    <p:cond delay="0"/>
+                                  </p:stCondLst>
+                                  <p:childTnLst>
+                                    <p:animEffect transition="out" filter="fade">
+                                      <p:cBhvr>
+                                        <p:cTn id="12" dur="500"/>
+                                        <p:tgtEl>
+                                          <p:spTgt spid="25"/>
+                                        </p:tgtEl>
+                                      </p:cBhvr>
+                                    </p:animEffect>
+                                    <p:set>
+                                      <p:cBhvr>
+                                        <p:cTn id="13" dur="1" fill="hold">
+                                          <p:stCondLst>
+                                            <p:cond delay="499"/>
+                                          </p:stCondLst>
+                                        </p:cTn>
+                                        <p:tgtEl>
+                                          <p:spTgt spid="25"/>
+                                        </p:tgtEl>
+                                        <p:attrNameLst>
+                                          <p:attrName>style.visibility</p:attrName>
+                                        </p:attrNameLst>
+                                      </p:cBhvr>
+                                      <p:to>
+                                        <p:strVal val="hidden"/>
+                                      </p:to>
+                                    </p:set>
+                                  </p:childTnLst>
+                                </p:cTn>
+                              </p:par>
+                              <p:par>
+                                <p:cTn id="14" presetID="10" presetClass="exit" presetSubtype="0" fill="hold" grpId="0" nodeType="withEffect">
+                                  <p:stCondLst>
+                                    <p:cond delay="0"/>
+                                  </p:stCondLst>
+                                  <p:childTnLst>
+                                    <p:animEffect transition="out" filter="fade">
+                                      <p:cBhvr>
+                                        <p:cTn id="15" dur="500"/>
+                                        <p:tgtEl>
+                                          <p:spTgt spid="26"/>
+                                        </p:tgtEl>
+                                      </p:cBhvr>
+                                    </p:animEffect>
+                                    <p:set>
+                                      <p:cBhvr>
+                                        <p:cTn id="16" dur="1" fill="hold">
+                                          <p:stCondLst>
+                                            <p:cond delay="499"/>
+                                          </p:stCondLst>
+                                        </p:cTn>
+                                        <p:tgtEl>
+                                          <p:spTgt spid="26"/>
+                                        </p:tgtEl>
+                                        <p:attrNameLst>
+                                          <p:attrName>style.visibility</p:attrName>
+                                        </p:attrNameLst>
+                                      </p:cBhvr>
+                                      <p:to>
+                                        <p:strVal val="hidden"/>
+                                      </p:to>
+                                    </p:set>
+                                  </p:childTnLst>
+                                </p:cTn>
+                              </p:par>
+                              <p:par>
+                                <p:cTn id="17" presetID="10" presetClass="exit" presetSubtype="0" fill="hold" grpId="0" nodeType="withEffect">
+                                  <p:stCondLst>
+                                    <p:cond delay="0"/>
+                                  </p:stCondLst>
+                                  <p:childTnLst>
+                                    <p:animEffect transition="out" filter="fade">
+                                      <p:cBhvr>
+                                        <p:cTn id="18" dur="500"/>
+                                        <p:tgtEl>
+                                          <p:spTgt spid="27"/>
+                                        </p:tgtEl>
+                                      </p:cBhvr>
+                                    </p:animEffect>
+                                    <p:set>
+                                      <p:cBhvr>
+                                        <p:cTn id="19" dur="1" fill="hold">
+                                          <p:stCondLst>
+                                            <p:cond delay="499"/>
+                                          </p:stCondLst>
+                                        </p:cTn>
+                                        <p:tgtEl>
+                                          <p:spTgt spid="27"/>
+                                        </p:tgtEl>
+                                        <p:attrNameLst>
+                                          <p:attrName>style.visibility</p:attrName>
+                                        </p:attrNameLst>
+                                      </p:cBhvr>
+                                      <p:to>
+                                        <p:strVal val="hidden"/>
+                                      </p:to>
+                                    </p:set>
+                                  </p:childTnLst>
+                                </p:cTn>
+                              </p:par>
+                              <p:par>
+                                <p:cTn id="20" presetID="10" presetClass="exit" presetSubtype="0" fill="hold" grpId="0" nodeType="withEffect">
+                                  <p:stCondLst>
+                                    <p:cond delay="0"/>
+                                  </p:stCondLst>
+                                  <p:childTnLst>
+                                    <p:animEffect transition="out" filter="fade">
+                                      <p:cBhvr>
+                                        <p:cTn id="21" dur="500"/>
+                                        <p:tgtEl>
+                                          <p:spTgt spid="31"/>
+                                        </p:tgtEl>
+                                      </p:cBhvr>
+                                    </p:animEffect>
+                                    <p:set>
+                                      <p:cBhvr>
+                                        <p:cTn id="22" dur="1" fill="hold">
+                                          <p:stCondLst>
+                                            <p:cond delay="499"/>
+                                          </p:stCondLst>
+                                        </p:cTn>
+                                        <p:tgtEl>
+                                          <p:spTgt spid="31"/>
+                                        </p:tgtEl>
+                                        <p:attrNameLst>
+                                          <p:attrName>style.visibility</p:attrName>
+                                        </p:attrNameLst>
+                                      </p:cBhvr>
+                                      <p:to>
+                                        <p:strVal val="hidden"/>
+                                      </p:to>
+                                    </p:set>
+                                  </p:childTnLst>
+                                </p:cTn>
+                              </p:par>
+                              <p:par>
+                                <p:cTn id="23" presetID="10" presetClass="exit" presetSubtype="0" fill="hold" grpId="0" nodeType="withEffect">
+                                  <p:stCondLst>
+                                    <p:cond delay="0"/>
+                                  </p:stCondLst>
+                                  <p:childTnLst>
+                                    <p:animEffect transition="out" filter="fade">
+                                      <p:cBhvr>
+                                        <p:cTn id="24" dur="500"/>
+                                        <p:tgtEl>
+                                          <p:spTgt spid="32"/>
+                                        </p:tgtEl>
+                                      </p:cBhvr>
+                                    </p:animEffect>
+                                    <p:set>
+                                      <p:cBhvr>
+                                        <p:cTn id="25" dur="1" fill="hold">
+                                          <p:stCondLst>
+                                            <p:cond delay="499"/>
+                                          </p:stCondLst>
+                                        </p:cTn>
+                                        <p:tgtEl>
+                                          <p:spTgt spid="32"/>
+                                        </p:tgtEl>
+                                        <p:attrNameLst>
+                                          <p:attrName>style.visibility</p:attrName>
+                                        </p:attrNameLst>
+                                      </p:cBhvr>
+                                      <p:to>
+                                        <p:strVal val="hidden"/>
+                                      </p:to>
+                                    </p:set>
+                                  </p:childTnLst>
+                                </p:cTn>
+                              </p:par>
+                              <p:par>
+                                <p:cTn id="26" presetID="10" presetClass="exit" presetSubtype="0" fill="hold" grpId="0" nodeType="withEffect">
+                                  <p:stCondLst>
+                                    <p:cond delay="0"/>
+                                  </p:stCondLst>
+                                  <p:childTnLst>
+                                    <p:animEffect transition="out" filter="fade">
+                                      <p:cBhvr>
+                                        <p:cTn id="27" dur="500"/>
+                                        <p:tgtEl>
+                                          <p:spTgt spid="33"/>
+                                        </p:tgtEl>
+                                      </p:cBhvr>
+                                    </p:animEffect>
+                                    <p:set>
+                                      <p:cBhvr>
+                                        <p:cTn id="28" dur="1" fill="hold">
+                                          <p:stCondLst>
+                                            <p:cond delay="499"/>
+                                          </p:stCondLst>
+                                        </p:cTn>
+                                        <p:tgtEl>
+                                          <p:spTgt spid="33"/>
+                                        </p:tgtEl>
+                                        <p:attrNameLst>
+                                          <p:attrName>style.visibility</p:attrName>
+                                        </p:attrNameLst>
+                                      </p:cBhvr>
+                                      <p:to>
+                                        <p:strVal val="hidden"/>
+                                      </p:to>
+                                    </p:set>
+                                  </p:childTnLst>
+                                </p:cTn>
+                              </p:par>
+                              <p:par>
+                                <p:cTn id="29" presetID="10" presetClass="exit" presetSubtype="0" fill="hold" grpId="0" nodeType="withEffect">
+                                  <p:stCondLst>
+                                    <p:cond delay="0"/>
+                                  </p:stCondLst>
+                                  <p:childTnLst>
+                                    <p:animEffect transition="out" filter="fade">
+                                      <p:cBhvr>
+                                        <p:cTn id="30" dur="500"/>
+                                        <p:tgtEl>
+                                          <p:spTgt spid="34"/>
+                                        </p:tgtEl>
+                                      </p:cBhvr>
+                                    </p:animEffect>
+                                    <p:set>
+                                      <p:cBhvr>
+                                        <p:cTn id="31" dur="1" fill="hold">
+                                          <p:stCondLst>
+                                            <p:cond delay="499"/>
+                                          </p:stCondLst>
+                                        </p:cTn>
+                                        <p:tgtEl>
+                                          <p:spTgt spid="34"/>
+                                        </p:tgtEl>
+                                        <p:attrNameLst>
+                                          <p:attrName>style.visibility</p:attrName>
+                                        </p:attrNameLst>
+                                      </p:cBhvr>
+                                      <p:to>
+                                        <p:strVal val="hidden"/>
+                                      </p:to>
+                                    </p:set>
+                                  </p:childTnLst>
+                                </p:cTn>
+                              </p:par>
+                              <p:par>
+                                <p:cTn id="32" presetID="10" presetClass="exit" presetSubtype="0" fill="hold" grpId="0" nodeType="withEffect">
+                                  <p:stCondLst>
+                                    <p:cond delay="0"/>
+                                  </p:stCondLst>
+                                  <p:childTnLst>
+                                    <p:animEffect transition="out" filter="fade">
+                                      <p:cBhvr>
+                                        <p:cTn id="33" dur="500"/>
+                                        <p:tgtEl>
+                                          <p:spTgt spid="35"/>
+                                        </p:tgtEl>
+                                      </p:cBhvr>
+                                    </p:animEffect>
+                                    <p:set>
+                                      <p:cBhvr>
+                                        <p:cTn id="34" dur="1" fill="hold">
+                                          <p:stCondLst>
+                                            <p:cond delay="499"/>
+                                          </p:stCondLst>
+                                        </p:cTn>
+                                        <p:tgtEl>
+                                          <p:spTgt spid="35"/>
+                                        </p:tgtEl>
+                                        <p:attrNameLst>
+                                          <p:attrName>style.visibility</p:attrName>
+                                        </p:attrNameLst>
+                                      </p:cBhvr>
+                                      <p:to>
+                                        <p:strVal val="hidden"/>
+                                      </p:to>
+                                    </p:set>
+                                  </p:childTnLst>
+                                </p:cTn>
+                              </p:par>
+                              <p:par>
+                                <p:cTn id="35" presetID="10" presetClass="exit" presetSubtype="0" fill="hold" grpId="0" nodeType="withEffect">
+                                  <p:stCondLst>
+                                    <p:cond delay="0"/>
+                                  </p:stCondLst>
+                                  <p:childTnLst>
+                                    <p:animEffect transition="out" filter="fade">
+                                      <p:cBhvr>
+                                        <p:cTn id="36" dur="500"/>
+                                        <p:tgtEl>
+                                          <p:spTgt spid="36"/>
+                                        </p:tgtEl>
+                                      </p:cBhvr>
+                                    </p:animEffect>
+                                    <p:set>
+                                      <p:cBhvr>
+                                        <p:cTn id="37" dur="1" fill="hold">
+                                          <p:stCondLst>
+                                            <p:cond delay="499"/>
+                                          </p:stCondLst>
+                                        </p:cTn>
+                                        <p:tgtEl>
+                                          <p:spTgt spid="36"/>
+                                        </p:tgtEl>
+                                        <p:attrNameLst>
+                                          <p:attrName>style.visibility</p:attrName>
+                                        </p:attrNameLst>
+                                      </p:cBhvr>
+                                      <p:to>
+                                        <p:strVal val="hidden"/>
+                                      </p:to>
+                                    </p:set>
+                                  </p:childTnLst>
+                                </p:cTn>
+                              </p:par>
+                              <p:par>
+                                <p:cTn id="38" presetID="10" presetClass="exit" presetSubtype="0" fill="hold" grpId="0" nodeType="withEffect">
+                                  <p:stCondLst>
+                                    <p:cond delay="0"/>
+                                  </p:stCondLst>
+                                  <p:childTnLst>
+                                    <p:animEffect transition="out" filter="fade">
+                                      <p:cBhvr>
+                                        <p:cTn id="39" dur="500"/>
+                                        <p:tgtEl>
+                                          <p:spTgt spid="37"/>
+                                        </p:tgtEl>
+                                      </p:cBhvr>
+                                    </p:animEffect>
+                                    <p:set>
+                                      <p:cBhvr>
+                                        <p:cTn id="40" dur="1" fill="hold">
+                                          <p:stCondLst>
+                                            <p:cond delay="499"/>
+                                          </p:stCondLst>
+                                        </p:cTn>
+                                        <p:tgtEl>
+                                          <p:spTgt spid="37"/>
+                                        </p:tgtEl>
+                                        <p:attrNameLst>
+                                          <p:attrName>style.visibility</p:attrName>
+                                        </p:attrNameLst>
+                                      </p:cBhvr>
+                                      <p:to>
+                                        <p:strVal val="hidden"/>
+                                      </p:to>
+                                    </p:set>
+                                  </p:childTnLst>
+                                </p:cTn>
+                              </p:par>
+                              <p:par>
+                                <p:cTn id="41" presetID="10" presetClass="exit" presetSubtype="0" fill="hold" grpId="0" nodeType="withEffect">
+                                  <p:stCondLst>
+                                    <p:cond delay="0"/>
+                                  </p:stCondLst>
+                                  <p:childTnLst>
+                                    <p:animEffect transition="out" filter="fade">
+                                      <p:cBhvr>
+                                        <p:cTn id="42" dur="500"/>
+                                        <p:tgtEl>
+                                          <p:spTgt spid="19"/>
+                                        </p:tgtEl>
+                                      </p:cBhvr>
+                                    </p:animEffect>
+                                    <p:set>
+                                      <p:cBhvr>
+                                        <p:cTn id="43" dur="1" fill="hold">
+                                          <p:stCondLst>
+                                            <p:cond delay="499"/>
+                                          </p:stCondLst>
+                                        </p:cTn>
+                                        <p:tgtEl>
+                                          <p:spTgt spid="19"/>
+                                        </p:tgtEl>
+                                        <p:attrNameLst>
+                                          <p:attrName>style.visibility</p:attrName>
+                                        </p:attrNameLst>
+                                      </p:cBhvr>
+                                      <p:to>
+                                        <p:strVal val="hidden"/>
+                                      </p:to>
+                                    </p:set>
+                                  </p:childTnLst>
+                                </p:cTn>
+                              </p:par>
+                              <p:par>
+                                <p:cTn id="44" presetID="10" presetClass="exit" presetSubtype="0" fill="hold" grpId="0" nodeType="withEffect">
+                                  <p:stCondLst>
+                                    <p:cond delay="0"/>
+                                  </p:stCondLst>
+                                  <p:childTnLst>
+                                    <p:animEffect transition="out" filter="fade">
+                                      <p:cBhvr>
+                                        <p:cTn id="45" dur="500"/>
+                                        <p:tgtEl>
+                                          <p:spTgt spid="13"/>
+                                        </p:tgtEl>
+                                      </p:cBhvr>
+                                    </p:animEffect>
+                                    <p:set>
+                                      <p:cBhvr>
+                                        <p:cTn id="46" dur="1" fill="hold">
+                                          <p:stCondLst>
+                                            <p:cond delay="499"/>
+                                          </p:stCondLst>
+                                        </p:cTn>
+                                        <p:tgtEl>
+                                          <p:spTgt spid="13"/>
+                                        </p:tgtEl>
+                                        <p:attrNameLst>
+                                          <p:attrName>style.visibility</p:attrName>
+                                        </p:attrNameLst>
+                                      </p:cBhvr>
+                                      <p:to>
+                                        <p:strVal val="hidden"/>
+                                      </p:to>
+                                    </p:set>
+                                  </p:childTnLst>
+                                </p:cTn>
+                              </p:par>
+                              <p:par>
+                                <p:cTn id="47" presetID="10" presetClass="exit" presetSubtype="0" fill="hold" grpId="0" nodeType="withEffect">
+                                  <p:stCondLst>
+                                    <p:cond delay="0"/>
+                                  </p:stCondLst>
+                                  <p:childTnLst>
+                                    <p:animEffect transition="out" filter="fade">
+                                      <p:cBhvr>
+                                        <p:cTn id="48" dur="500"/>
+                                        <p:tgtEl>
+                                          <p:spTgt spid="16"/>
+                                        </p:tgtEl>
+                                      </p:cBhvr>
+                                    </p:animEffect>
+                                    <p:set>
+                                      <p:cBhvr>
+                                        <p:cTn id="49" dur="1" fill="hold">
+                                          <p:stCondLst>
+                                            <p:cond delay="499"/>
+                                          </p:stCondLst>
+                                        </p:cTn>
+                                        <p:tgtEl>
+                                          <p:spTgt spid="16"/>
+                                        </p:tgtEl>
+                                        <p:attrNameLst>
+                                          <p:attrName>style.visibility</p:attrName>
+                                        </p:attrNameLst>
+                                      </p:cBhvr>
+                                      <p:to>
+                                        <p:strVal val="hidden"/>
+                                      </p:to>
+                                    </p:set>
+                                  </p:childTnLst>
+                                </p:cTn>
+                              </p:par>
+                            </p:childTnLst>
+                          </p:cTn>
+                        </p:par>
+                      </p:childTnLst>
+                    </p:cTn>
+                  </p:par>
+                  <p:par>
+                    <p:cTn id="50" fill="hold">
+                      <p:stCondLst>
+                        <p:cond delay="indefinite"/>
+                      </p:stCondLst>
+                      <p:childTnLst>
+                        <p:par>
+                          <p:cTn id="51" fill="hold">
+                            <p:stCondLst>
+                              <p:cond delay="0"/>
+                            </p:stCondLst>
+                            <p:childTnLst>
+                              <p:par>
+                                <p:cTn id="52" presetID="0" presetClass="path" presetSubtype="0" accel="50000" decel="50000" fill="hold" grpId="0" nodeType="clickEffect">
+                                  <p:stCondLst>
+                                    <p:cond delay="0"/>
+                                  </p:stCondLst>
+                                  <p:childTnLst>
+                                    <p:animMotion origin="layout" path="M -3.75E-6 -4.44444E-6 L 0.09701 -0.17291 " pathEditMode="relative" rAng="0" ptsTypes="AA">
+                                      <p:cBhvr>
+                                        <p:cTn id="53" dur="2000" fill="hold"/>
+                                        <p:tgtEl>
+                                          <p:spTgt spid="15"/>
+                                        </p:tgtEl>
+                                        <p:attrNameLst>
+                                          <p:attrName>ppt_x</p:attrName>
+                                          <p:attrName>ppt_y</p:attrName>
+                                        </p:attrNameLst>
+                                      </p:cBhvr>
+                                      <p:rCtr x="4844" y="-8657"/>
+                                    </p:animMotion>
+                                  </p:childTnLst>
+                                </p:cTn>
+                              </p:par>
+                              <p:par>
+                                <p:cTn id="54" presetID="0" presetClass="path" presetSubtype="0" accel="50000" decel="50000" fill="hold" grpId="0" nodeType="withEffect">
+                                  <p:stCondLst>
+                                    <p:cond delay="0"/>
+                                  </p:stCondLst>
+                                  <p:childTnLst>
+                                    <p:animMotion origin="layout" path="M 3.75E-6 -4.44444E-6 L -0.09766 0.19792 " pathEditMode="relative" rAng="0" ptsTypes="AA">
+                                      <p:cBhvr>
+                                        <p:cTn id="55" dur="2000" fill="hold"/>
+                                        <p:tgtEl>
+                                          <p:spTgt spid="5"/>
+                                        </p:tgtEl>
+                                        <p:attrNameLst>
+                                          <p:attrName>ppt_x</p:attrName>
+                                          <p:attrName>ppt_y</p:attrName>
+                                        </p:attrNameLst>
+                                      </p:cBhvr>
+                                      <p:rCtr x="-4883" y="9884"/>
+                                    </p:animMotion>
+                                  </p:childTnLst>
+                                </p:cTn>
+                              </p:par>
+                            </p:childTnLst>
+                          </p:cTn>
+                        </p:par>
+                      </p:childTnLst>
+                    </p:cTn>
+                  </p:par>
+                  <p:par>
+                    <p:cTn id="56" fill="hold">
+                      <p:stCondLst>
+                        <p:cond delay="indefinite"/>
+                      </p:stCondLst>
+                      <p:childTnLst>
+                        <p:par>
+                          <p:cTn id="57" fill="hold">
+                            <p:stCondLst>
+                              <p:cond delay="0"/>
+                            </p:stCondLst>
+                            <p:childTnLst>
+                              <p:par>
+                                <p:cTn id="58" presetID="10" presetClass="entr" presetSubtype="0" fill="hold" grpId="0" nodeType="clickEffect">
+                                  <p:stCondLst>
+                                    <p:cond delay="0"/>
+                                  </p:stCondLst>
+                                  <p:childTnLst>
+                                    <p:set>
+                                      <p:cBhvr>
+                                        <p:cTn id="59" dur="1" fill="hold">
+                                          <p:stCondLst>
+                                            <p:cond delay="0"/>
+                                          </p:stCondLst>
+                                        </p:cTn>
+                                        <p:tgtEl>
+                                          <p:spTgt spid="38"/>
+                                        </p:tgtEl>
+                                        <p:attrNameLst>
+                                          <p:attrName>style.visibility</p:attrName>
+                                        </p:attrNameLst>
+                                      </p:cBhvr>
+                                      <p:to>
+                                        <p:strVal val="visible"/>
+                                      </p:to>
+                                    </p:set>
+                                    <p:animEffect transition="in" filter="fade">
+                                      <p:cBhvr>
+                                        <p:cTn id="60" dur="500"/>
+                                        <p:tgtEl>
+                                          <p:spTgt spid="38"/>
+                                        </p:tgtEl>
+                                      </p:cBhvr>
+                                    </p:animEffect>
+                                  </p:childTnLst>
+                                </p:cTn>
+                              </p:par>
+                              <p:par>
+                                <p:cTn id="61" presetID="10" presetClass="entr" presetSubtype="0" fill="hold" grpId="0" nodeType="withEffect">
+                                  <p:stCondLst>
+                                    <p:cond delay="0"/>
+                                  </p:stCondLst>
+                                  <p:childTnLst>
+                                    <p:set>
+                                      <p:cBhvr>
+                                        <p:cTn id="62" dur="1" fill="hold">
+                                          <p:stCondLst>
+                                            <p:cond delay="0"/>
+                                          </p:stCondLst>
+                                        </p:cTn>
+                                        <p:tgtEl>
+                                          <p:spTgt spid="39"/>
+                                        </p:tgtEl>
+                                        <p:attrNameLst>
+                                          <p:attrName>style.visibility</p:attrName>
+                                        </p:attrNameLst>
+                                      </p:cBhvr>
+                                      <p:to>
+                                        <p:strVal val="visible"/>
+                                      </p:to>
+                                    </p:set>
+                                    <p:animEffect transition="in" filter="fade">
+                                      <p:cBhvr>
+                                        <p:cTn id="63" dur="500"/>
+                                        <p:tgtEl>
+                                          <p:spTgt spid="39"/>
+                                        </p:tgtEl>
+                                      </p:cBhvr>
+                                    </p:animEffect>
+                                  </p:childTnLst>
+                                </p:cTn>
+                              </p:par>
+                              <p:par>
+                                <p:cTn id="64" presetID="10" presetClass="entr" presetSubtype="0" fill="hold" grpId="0" nodeType="withEffect">
+                                  <p:stCondLst>
+                                    <p:cond delay="0"/>
+                                  </p:stCondLst>
+                                  <p:childTnLst>
+                                    <p:set>
+                                      <p:cBhvr>
+                                        <p:cTn id="65" dur="1" fill="hold">
+                                          <p:stCondLst>
+                                            <p:cond delay="0"/>
+                                          </p:stCondLst>
+                                        </p:cTn>
+                                        <p:tgtEl>
+                                          <p:spTgt spid="40"/>
+                                        </p:tgtEl>
+                                        <p:attrNameLst>
+                                          <p:attrName>style.visibility</p:attrName>
+                                        </p:attrNameLst>
+                                      </p:cBhvr>
+                                      <p:to>
+                                        <p:strVal val="visible"/>
+                                      </p:to>
+                                    </p:set>
+                                    <p:animEffect transition="in" filter="fade">
+                                      <p:cBhvr>
+                                        <p:cTn id="66" dur="500"/>
+                                        <p:tgtEl>
+                                          <p:spTgt spid="40"/>
+                                        </p:tgtEl>
+                                      </p:cBhvr>
+                                    </p:animEffect>
+                                  </p:childTnLst>
+                                </p:cTn>
+                              </p:par>
+                              <p:par>
+                                <p:cTn id="67" presetID="10" presetClass="entr" presetSubtype="0" fill="hold" grpId="0" nodeType="withEffect">
+                                  <p:stCondLst>
+                                    <p:cond delay="0"/>
+                                  </p:stCondLst>
+                                  <p:childTnLst>
+                                    <p:set>
+                                      <p:cBhvr>
+                                        <p:cTn id="68" dur="1" fill="hold">
+                                          <p:stCondLst>
+                                            <p:cond delay="0"/>
+                                          </p:stCondLst>
+                                        </p:cTn>
+                                        <p:tgtEl>
+                                          <p:spTgt spid="41"/>
+                                        </p:tgtEl>
+                                        <p:attrNameLst>
+                                          <p:attrName>style.visibility</p:attrName>
+                                        </p:attrNameLst>
+                                      </p:cBhvr>
+                                      <p:to>
+                                        <p:strVal val="visible"/>
+                                      </p:to>
+                                    </p:set>
+                                    <p:animEffect transition="in" filter="fade">
+                                      <p:cBhvr>
+                                        <p:cTn id="69" dur="500"/>
+                                        <p:tgtEl>
+                                          <p:spTgt spid="41"/>
+                                        </p:tgtEl>
+                                      </p:cBhvr>
+                                    </p:animEffect>
+                                  </p:childTnLst>
+                                </p:cTn>
+                              </p:par>
+                              <p:par>
+                                <p:cTn id="70" presetID="10" presetClass="entr" presetSubtype="0" fill="hold" grpId="0" nodeType="withEffect">
+                                  <p:stCondLst>
+                                    <p:cond delay="0"/>
+                                  </p:stCondLst>
+                                  <p:childTnLst>
+                                    <p:set>
+                                      <p:cBhvr>
+                                        <p:cTn id="71" dur="1" fill="hold">
+                                          <p:stCondLst>
+                                            <p:cond delay="0"/>
+                                          </p:stCondLst>
+                                        </p:cTn>
+                                        <p:tgtEl>
+                                          <p:spTgt spid="42"/>
+                                        </p:tgtEl>
+                                        <p:attrNameLst>
+                                          <p:attrName>style.visibility</p:attrName>
+                                        </p:attrNameLst>
+                                      </p:cBhvr>
+                                      <p:to>
+                                        <p:strVal val="visible"/>
+                                      </p:to>
+                                    </p:set>
+                                    <p:animEffect transition="in" filter="fade">
+                                      <p:cBhvr>
+                                        <p:cTn id="72" dur="500"/>
+                                        <p:tgtEl>
+                                          <p:spTgt spid="42"/>
+                                        </p:tgtEl>
+                                      </p:cBhvr>
+                                    </p:animEffect>
+                                  </p:childTnLst>
+                                </p:cTn>
+                              </p:par>
+                              <p:par>
+                                <p:cTn id="73" presetID="10" presetClass="entr" presetSubtype="0" fill="hold" grpId="0" nodeType="withEffect">
+                                  <p:stCondLst>
+                                    <p:cond delay="0"/>
+                                  </p:stCondLst>
+                                  <p:childTnLst>
+                                    <p:set>
+                                      <p:cBhvr>
+                                        <p:cTn id="74" dur="1" fill="hold">
+                                          <p:stCondLst>
+                                            <p:cond delay="0"/>
+                                          </p:stCondLst>
+                                        </p:cTn>
+                                        <p:tgtEl>
+                                          <p:spTgt spid="43"/>
+                                        </p:tgtEl>
+                                        <p:attrNameLst>
+                                          <p:attrName>style.visibility</p:attrName>
+                                        </p:attrNameLst>
+                                      </p:cBhvr>
+                                      <p:to>
+                                        <p:strVal val="visible"/>
+                                      </p:to>
+                                    </p:set>
+                                    <p:animEffect transition="in" filter="fade">
+                                      <p:cBhvr>
+                                        <p:cTn id="75" dur="500"/>
+                                        <p:tgtEl>
+                                          <p:spTgt spid="43"/>
+                                        </p:tgtEl>
+                                      </p:cBhvr>
+                                    </p:animEffect>
+                                  </p:childTnLst>
+                                </p:cTn>
+                              </p:par>
+                              <p:par>
+                                <p:cTn id="76" presetID="10" presetClass="entr" presetSubtype="0" fill="hold" grpId="0" nodeType="withEffect">
+                                  <p:stCondLst>
+                                    <p:cond delay="0"/>
+                                  </p:stCondLst>
+                                  <p:childTnLst>
+                                    <p:set>
+                                      <p:cBhvr>
+                                        <p:cTn id="77" dur="1" fill="hold">
+                                          <p:stCondLst>
+                                            <p:cond delay="0"/>
+                                          </p:stCondLst>
+                                        </p:cTn>
+                                        <p:tgtEl>
+                                          <p:spTgt spid="44"/>
+                                        </p:tgtEl>
+                                        <p:attrNameLst>
+                                          <p:attrName>style.visibility</p:attrName>
+                                        </p:attrNameLst>
+                                      </p:cBhvr>
+                                      <p:to>
+                                        <p:strVal val="visible"/>
+                                      </p:to>
+                                    </p:set>
+                                    <p:animEffect transition="in" filter="fade">
+                                      <p:cBhvr>
+                                        <p:cTn id="78" dur="500"/>
+                                        <p:tgtEl>
+                                          <p:spTgt spid="44"/>
+                                        </p:tgtEl>
+                                      </p:cBhvr>
+                                    </p:animEffect>
+                                  </p:childTnLst>
+                                </p:cTn>
+                              </p:par>
+                              <p:par>
+                                <p:cTn id="79" presetID="10" presetClass="entr" presetSubtype="0" fill="hold" grpId="0" nodeType="withEffect">
+                                  <p:stCondLst>
+                                    <p:cond delay="0"/>
+                                  </p:stCondLst>
+                                  <p:childTnLst>
+                                    <p:set>
+                                      <p:cBhvr>
+                                        <p:cTn id="80" dur="1" fill="hold">
+                                          <p:stCondLst>
+                                            <p:cond delay="0"/>
+                                          </p:stCondLst>
+                                        </p:cTn>
+                                        <p:tgtEl>
+                                          <p:spTgt spid="46"/>
+                                        </p:tgtEl>
+                                        <p:attrNameLst>
+                                          <p:attrName>style.visibility</p:attrName>
+                                        </p:attrNameLst>
+                                      </p:cBhvr>
+                                      <p:to>
+                                        <p:strVal val="visible"/>
+                                      </p:to>
+                                    </p:set>
+                                    <p:animEffect transition="in" filter="fade">
+                                      <p:cBhvr>
+                                        <p:cTn id="81" dur="500"/>
+                                        <p:tgtEl>
+                                          <p:spTgt spid="46"/>
+                                        </p:tgtEl>
+                                      </p:cBhvr>
+                                    </p:animEffect>
+                                  </p:childTnLst>
+                                </p:cTn>
+                              </p:par>
+                              <p:par>
+                                <p:cTn id="82" presetID="10" presetClass="entr" presetSubtype="0" fill="hold" grpId="0" nodeType="withEffect">
+                                  <p:stCondLst>
+                                    <p:cond delay="0"/>
+                                  </p:stCondLst>
+                                  <p:childTnLst>
+                                    <p:set>
+                                      <p:cBhvr>
+                                        <p:cTn id="83" dur="1" fill="hold">
+                                          <p:stCondLst>
+                                            <p:cond delay="0"/>
+                                          </p:stCondLst>
+                                        </p:cTn>
+                                        <p:tgtEl>
+                                          <p:spTgt spid="47"/>
+                                        </p:tgtEl>
+                                        <p:attrNameLst>
+                                          <p:attrName>style.visibility</p:attrName>
+                                        </p:attrNameLst>
+                                      </p:cBhvr>
+                                      <p:to>
+                                        <p:strVal val="visible"/>
+                                      </p:to>
+                                    </p:set>
+                                    <p:animEffect transition="in" filter="fade">
+                                      <p:cBhvr>
+                                        <p:cTn id="84" dur="500"/>
+                                        <p:tgtEl>
+                                          <p:spTgt spid="47"/>
+                                        </p:tgtEl>
+                                      </p:cBhvr>
+                                    </p:animEffect>
+                                  </p:childTnLst>
+                                </p:cTn>
+                              </p:par>
+                              <p:par>
+                                <p:cTn id="85" presetID="10" presetClass="entr" presetSubtype="0" fill="hold" grpId="0" nodeType="withEffect">
+                                  <p:stCondLst>
+                                    <p:cond delay="0"/>
+                                  </p:stCondLst>
+                                  <p:childTnLst>
+                                    <p:set>
+                                      <p:cBhvr>
+                                        <p:cTn id="86" dur="1" fill="hold">
+                                          <p:stCondLst>
+                                            <p:cond delay="0"/>
+                                          </p:stCondLst>
+                                        </p:cTn>
+                                        <p:tgtEl>
+                                          <p:spTgt spid="48"/>
+                                        </p:tgtEl>
+                                        <p:attrNameLst>
+                                          <p:attrName>style.visibility</p:attrName>
+                                        </p:attrNameLst>
+                                      </p:cBhvr>
+                                      <p:to>
+                                        <p:strVal val="visible"/>
+                                      </p:to>
+                                    </p:set>
+                                    <p:animEffect transition="in" filter="fade">
+                                      <p:cBhvr>
+                                        <p:cTn id="87" dur="500"/>
+                                        <p:tgtEl>
+                                          <p:spTgt spid="48"/>
+                                        </p:tgtEl>
+                                      </p:cBhvr>
+                                    </p:animEffect>
+                                  </p:childTnLst>
+                                </p:cTn>
+                              </p:par>
+                              <p:par>
+                                <p:cTn id="88" presetID="10" presetClass="entr" presetSubtype="0" fill="hold" grpId="0" nodeType="withEffect">
+                                  <p:stCondLst>
+                                    <p:cond delay="0"/>
+                                  </p:stCondLst>
+                                  <p:childTnLst>
+                                    <p:set>
+                                      <p:cBhvr>
+                                        <p:cTn id="89" dur="1" fill="hold">
+                                          <p:stCondLst>
+                                            <p:cond delay="0"/>
+                                          </p:stCondLst>
+                                        </p:cTn>
+                                        <p:tgtEl>
+                                          <p:spTgt spid="49"/>
+                                        </p:tgtEl>
+                                        <p:attrNameLst>
+                                          <p:attrName>style.visibility</p:attrName>
+                                        </p:attrNameLst>
+                                      </p:cBhvr>
+                                      <p:to>
+                                        <p:strVal val="visible"/>
+                                      </p:to>
+                                    </p:set>
+                                    <p:animEffect transition="in" filter="fade">
+                                      <p:cBhvr>
+                                        <p:cTn id="90" dur="500"/>
+                                        <p:tgtEl>
+                                          <p:spTgt spid="49"/>
+                                        </p:tgtEl>
+                                      </p:cBhvr>
+                                    </p:animEffect>
+                                  </p:childTnLst>
+                                </p:cTn>
+                              </p:par>
+                              <p:par>
+                                <p:cTn id="91" presetID="10" presetClass="entr" presetSubtype="0" fill="hold" grpId="0" nodeType="withEffect">
+                                  <p:stCondLst>
+                                    <p:cond delay="0"/>
+                                  </p:stCondLst>
+                                  <p:childTnLst>
+                                    <p:set>
+                                      <p:cBhvr>
+                                        <p:cTn id="92" dur="1" fill="hold">
+                                          <p:stCondLst>
+                                            <p:cond delay="0"/>
+                                          </p:stCondLst>
+                                        </p:cTn>
+                                        <p:tgtEl>
+                                          <p:spTgt spid="52"/>
+                                        </p:tgtEl>
+                                        <p:attrNameLst>
+                                          <p:attrName>style.visibility</p:attrName>
+                                        </p:attrNameLst>
+                                      </p:cBhvr>
+                                      <p:to>
+                                        <p:strVal val="visible"/>
+                                      </p:to>
+                                    </p:set>
+                                    <p:animEffect transition="in" filter="fade">
+                                      <p:cBhvr>
+                                        <p:cTn id="93" dur="500"/>
+                                        <p:tgtEl>
+                                          <p:spTgt spid="52"/>
+                                        </p:tgtEl>
+                                      </p:cBhvr>
+                                    </p:animEffect>
+                                  </p:childTnLst>
+                                </p:cTn>
+                              </p:par>
+                              <p:par>
+                                <p:cTn id="94" presetID="10" presetClass="entr" presetSubtype="0" fill="hold" grpId="0" nodeType="withEffect">
+                                  <p:stCondLst>
+                                    <p:cond delay="0"/>
+                                  </p:stCondLst>
+                                  <p:childTnLst>
+                                    <p:set>
+                                      <p:cBhvr>
+                                        <p:cTn id="95" dur="1" fill="hold">
+                                          <p:stCondLst>
+                                            <p:cond delay="0"/>
+                                          </p:stCondLst>
+                                        </p:cTn>
+                                        <p:tgtEl>
+                                          <p:spTgt spid="53"/>
+                                        </p:tgtEl>
+                                        <p:attrNameLst>
+                                          <p:attrName>style.visibility</p:attrName>
+                                        </p:attrNameLst>
+                                      </p:cBhvr>
+                                      <p:to>
+                                        <p:strVal val="visible"/>
+                                      </p:to>
+                                    </p:set>
+                                    <p:animEffect transition="in" filter="fade">
+                                      <p:cBhvr>
+                                        <p:cTn id="96" dur="500"/>
+                                        <p:tgtEl>
+                                          <p:spTgt spid="53"/>
+                                        </p:tgtEl>
+                                      </p:cBhvr>
+                                    </p:animEffect>
+                                  </p:childTnLst>
+                                </p:cTn>
+                              </p:par>
+                              <p:par>
+                                <p:cTn id="97" presetID="10" presetClass="entr" presetSubtype="0" fill="hold" grpId="0" nodeType="withEffect">
+                                  <p:stCondLst>
+                                    <p:cond delay="0"/>
+                                  </p:stCondLst>
+                                  <p:childTnLst>
+                                    <p:set>
+                                      <p:cBhvr>
+                                        <p:cTn id="98" dur="1" fill="hold">
+                                          <p:stCondLst>
+                                            <p:cond delay="0"/>
+                                          </p:stCondLst>
+                                        </p:cTn>
+                                        <p:tgtEl>
+                                          <p:spTgt spid="54"/>
+                                        </p:tgtEl>
+                                        <p:attrNameLst>
+                                          <p:attrName>style.visibility</p:attrName>
+                                        </p:attrNameLst>
+                                      </p:cBhvr>
+                                      <p:to>
+                                        <p:strVal val="visible"/>
+                                      </p:to>
+                                    </p:set>
+                                    <p:animEffect transition="in" filter="fade">
+                                      <p:cBhvr>
+                                        <p:cTn id="99" dur="500"/>
+                                        <p:tgtEl>
+                                          <p:spTgt spid="54"/>
+                                        </p:tgtEl>
+                                      </p:cBhvr>
+                                    </p:animEffect>
+                                  </p:childTnLst>
+                                </p:cTn>
+                              </p:par>
+                              <p:par>
+                                <p:cTn id="100" presetID="10" presetClass="entr" presetSubtype="0" fill="hold" grpId="0" nodeType="withEffect">
+                                  <p:stCondLst>
+                                    <p:cond delay="0"/>
+                                  </p:stCondLst>
+                                  <p:childTnLst>
+                                    <p:set>
+                                      <p:cBhvr>
+                                        <p:cTn id="101" dur="1" fill="hold">
+                                          <p:stCondLst>
+                                            <p:cond delay="0"/>
+                                          </p:stCondLst>
+                                        </p:cTn>
+                                        <p:tgtEl>
+                                          <p:spTgt spid="55"/>
+                                        </p:tgtEl>
+                                        <p:attrNameLst>
+                                          <p:attrName>style.visibility</p:attrName>
+                                        </p:attrNameLst>
+                                      </p:cBhvr>
+                                      <p:to>
+                                        <p:strVal val="visible"/>
+                                      </p:to>
+                                    </p:set>
+                                    <p:animEffect transition="in" filter="fade">
+                                      <p:cBhvr>
+                                        <p:cTn id="102" dur="500"/>
+                                        <p:tgtEl>
+                                          <p:spTgt spid="55"/>
+                                        </p:tgtEl>
+                                      </p:cBhvr>
+                                    </p:animEffect>
+                                  </p:childTnLst>
+                                </p:cTn>
+                              </p:par>
+                            </p:childTnLst>
+                          </p:cTn>
+                        </p:par>
+                      </p:childTnLst>
+                    </p:cTn>
+                  </p:par>
+                </p:childTnLst>
+              </p:cTn>
+              <p:prevCondLst>
+                <p:cond evt="onPrev" delay="0">
+                  <p:tgtEl>
+                    <p:sldTgt/>
+                  </p:tgtEl>
+                </p:cond>
+              </p:prevCondLst>
+              <p:nextCondLst>
+                <p:cond evt="onNext" delay="0">
+                  <p:tgtEl>
+                    <p:sldTgt/>
+                  </p:tgtEl>
+                </p:cond>
+              </p:nextCondLst>
+            </p:seq>
+          </p:childTnLst>
+        </p:cTn>
+      </p:par>
+    </p:tnLst>
+    <p:bldLst>
+      <p:bldP spid="15" grpId="0" animBg="1"/>
+      <p:bldP spid="5" grpId="0" animBg="1"/>
+      <p:bldP spid="13" grpId="0" animBg="1"/>
+      <p:bldP spid="16" grpId="0" animBg="1"/>
+      <p:bldP spid="19" grpId="0" animBg="1"/>
+      <p:bldP spid="23" grpId="0" animBg="1"/>
+      <p:bldP spid="24" grpId="0" animBg="1"/>
+      <p:bldP spid="25" grpId="0" animBg="1"/>
+      <p:bldP spid="26" grpId="0" animBg="1"/>
+      <p:bldP spid="27" grpId="0" animBg="1"/>
+      <p:bldP spid="31" grpId="0"/>
+      <p:bldP spid="32" grpId="0"/>
+      <p:bldP spid="33" grpId="0"/>
+      <p:bldP spid="34" grpId="0"/>
+      <p:bldP spid="35" grpId="0"/>
+      <p:bldP spid="36" grpId="0"/>
+      <p:bldP spid="37" grpId="0"/>
+      <p:bldP spid="38" grpId="0"/>
+      <p:bldP spid="39" grpId="0"/>
+      <p:bldP spid="40" grpId="0"/>
+      <p:bldP spid="41" grpId="0"/>
+      <p:bldP spid="42" grpId="0"/>
+      <p:bldP spid="43" grpId="0"/>
+      <p:bldP spid="44" grpId="0"/>
+      <p:bldP spid="46" grpId="0"/>
+      <p:bldP spid="47" grpId="0"/>
+      <p:bldP spid="48" grpId="0"/>
+      <p:bldP spid="49" grpId="0"/>
+      <p:bldP spid="52" grpId="0"/>
+      <p:bldP spid="53" grpId="0"/>
+      <p:bldP spid="54" grpId="0"/>
+      <p:bldP spid="55" grpId="0"/>
+    </p:bldLst>
+  </p:timing>
 </p:sld>
 </file>
 
